--- a/과제PPT/기업업무 5강 JSP_성적_투표DB.pptx
+++ b/과제PPT/기업업무 5강 JSP_성적_투표DB.pptx
@@ -384,7 +384,7 @@
             <a:fld id="{96DFF08F-DC6B-4601-B491-B0F83F6DD2DA}" type="datetimeFigureOut">
               <a:rPr lang="en-US" dirty="0"/>
               <a:pPr/>
-              <a:t>6/5/2023</a:t>
+              <a:t>9/13/2023</a:t>
             </a:fld>
             <a:endParaRPr lang="en-US" dirty="0"/>
           </a:p>
@@ -601,7 +601,7 @@
           <a:p>
             <a:fld id="{96DFF08F-DC6B-4601-B491-B0F83F6DD2DA}" type="datetimeFigureOut">
               <a:rPr lang="en-US" dirty="0"/>
-              <a:t>6/5/2023</a:t>
+              <a:t>9/13/2023</a:t>
             </a:fld>
             <a:endParaRPr lang="en-US" dirty="0"/>
           </a:p>
@@ -776,7 +776,7 @@
           <a:p>
             <a:fld id="{96DFF08F-DC6B-4601-B491-B0F83F6DD2DA}" type="datetimeFigureOut">
               <a:rPr lang="en-US" dirty="0"/>
-              <a:t>6/5/2023</a:t>
+              <a:t>9/13/2023</a:t>
             </a:fld>
             <a:endParaRPr lang="en-US" dirty="0"/>
           </a:p>
@@ -941,7 +941,7 @@
           <a:p>
             <a:fld id="{96DFF08F-DC6B-4601-B491-B0F83F6DD2DA}" type="datetimeFigureOut">
               <a:rPr lang="en-US" dirty="0"/>
-              <a:t>6/5/2023</a:t>
+              <a:t>9/13/2023</a:t>
             </a:fld>
             <a:endParaRPr lang="en-US" dirty="0"/>
           </a:p>
@@ -1210,7 +1210,7 @@
           <a:p>
             <a:fld id="{96DFF08F-DC6B-4601-B491-B0F83F6DD2DA}" type="datetimeFigureOut">
               <a:rPr lang="en-US" dirty="0"/>
-              <a:t>6/5/2023</a:t>
+              <a:t>9/13/2023</a:t>
             </a:fld>
             <a:endParaRPr lang="en-US" dirty="0"/>
           </a:p>
@@ -1528,7 +1528,7 @@
           <a:p>
             <a:fld id="{96DFF08F-DC6B-4601-B491-B0F83F6DD2DA}" type="datetimeFigureOut">
               <a:rPr lang="en-US" dirty="0"/>
-              <a:t>6/5/2023</a:t>
+              <a:t>9/13/2023</a:t>
             </a:fld>
             <a:endParaRPr lang="en-US" dirty="0"/>
           </a:p>
@@ -1947,7 +1947,7 @@
           <a:p>
             <a:fld id="{96DFF08F-DC6B-4601-B491-B0F83F6DD2DA}" type="datetimeFigureOut">
               <a:rPr lang="en-US" dirty="0"/>
-              <a:t>6/5/2023</a:t>
+              <a:t>9/13/2023</a:t>
             </a:fld>
             <a:endParaRPr lang="en-US" dirty="0"/>
           </a:p>
@@ -2060,7 +2060,7 @@
           <a:p>
             <a:fld id="{96DFF08F-DC6B-4601-B491-B0F83F6DD2DA}" type="datetimeFigureOut">
               <a:rPr lang="en-US" dirty="0"/>
-              <a:t>6/5/2023</a:t>
+              <a:t>9/13/2023</a:t>
             </a:fld>
             <a:endParaRPr lang="en-US" dirty="0"/>
           </a:p>
@@ -2150,7 +2150,7 @@
           <a:p>
             <a:fld id="{96DFF08F-DC6B-4601-B491-B0F83F6DD2DA}" type="datetimeFigureOut">
               <a:rPr lang="en-US" dirty="0"/>
-              <a:t>6/5/2023</a:t>
+              <a:t>9/13/2023</a:t>
             </a:fld>
             <a:endParaRPr lang="en-US" dirty="0"/>
           </a:p>
@@ -2435,7 +2435,7 @@
           <a:p>
             <a:fld id="{96DFF08F-DC6B-4601-B491-B0F83F6DD2DA}" type="datetimeFigureOut">
               <a:rPr lang="en-US" dirty="0"/>
-              <a:t>6/5/2023</a:t>
+              <a:t>9/13/2023</a:t>
             </a:fld>
             <a:endParaRPr lang="en-US" dirty="0"/>
           </a:p>
@@ -2702,7 +2702,7 @@
           <a:p>
             <a:fld id="{96DFF08F-DC6B-4601-B491-B0F83F6DD2DA}" type="datetimeFigureOut">
               <a:rPr lang="en-US" dirty="0"/>
-              <a:t>6/5/2023</a:t>
+              <a:t>9/13/2023</a:t>
             </a:fld>
             <a:endParaRPr lang="en-US" dirty="0"/>
           </a:p>
@@ -2952,7 +2952,7 @@
             <a:fld id="{96DFF08F-DC6B-4601-B491-B0F83F6DD2DA}" type="datetimeFigureOut">
               <a:rPr lang="en-US" dirty="0"/>
               <a:pPr/>
-              <a:t>6/5/2023</a:t>
+              <a:t>9/13/2023</a:t>
             </a:fld>
             <a:endParaRPr lang="en-US" dirty="0"/>
           </a:p>
@@ -3464,7 +3464,7 @@
               <a:t>5</a:t>
             </a:r>
             <a:r>
-              <a:rPr lang="ko-KR" altLang="en-US" dirty="0" smtClean="0">
+              <a:rPr lang="ko-KR" altLang="en-US" dirty="0">
                 <a:solidFill>
                   <a:schemeClr val="accent1"/>
                 </a:solidFill>
@@ -3480,20 +3480,6 @@
               </a:rPr>
               <a:t>강</a:t>
             </a:r>
-            <a:endParaRPr lang="ko-KR" altLang="en-US" dirty="0">
-              <a:solidFill>
-                <a:schemeClr val="accent1"/>
-              </a:solidFill>
-              <a:effectLst>
-                <a:outerShdw blurRad="38100" dist="38100" dir="2700000" algn="tl">
-                  <a:srgbClr val="000000">
-                    <a:alpha val="43137"/>
-                  </a:srgbClr>
-                </a:outerShdw>
-              </a:effectLst>
-              <a:latin typeface="+mj-ea"/>
-              <a:ea typeface="+mj-ea"/>
-            </a:endParaRPr>
           </a:p>
         </p:txBody>
       </p:sp>
@@ -3666,7 +3652,7 @@
           <p:cNvPr id="4" name="제목 1">
             <a:extLst>
               <a:ext uri="{FF2B5EF4-FFF2-40B4-BE49-F238E27FC236}">
-                <a16:creationId xmlns="" xmlns:a16="http://schemas.microsoft.com/office/drawing/2014/main" id="{635C47BF-19DD-7A68-913E-EF8F14DBA234}"/>
+                <a16:creationId xmlns:a16="http://schemas.microsoft.com/office/drawing/2014/main" id="{635C47BF-19DD-7A68-913E-EF8F14DBA234}"/>
               </a:ext>
             </a:extLst>
           </p:cNvPr>
@@ -3694,26 +3680,23 @@
               <a:buChar char="•"/>
             </a:pPr>
             <a:r>
-              <a:rPr lang="en-US" altLang="ko-KR" sz="3200" dirty="0" err="1" smtClean="0">
+              <a:rPr lang="en-US" altLang="ko-KR" sz="3200" dirty="0" err="1">
                 <a:latin typeface="+mj-ea"/>
               </a:rPr>
               <a:t>newInsertDB.jsp</a:t>
             </a:r>
             <a:r>
-              <a:rPr lang="en-US" altLang="ko-KR" sz="3200" dirty="0" smtClean="0">
+              <a:rPr lang="en-US" altLang="ko-KR" sz="3200" dirty="0">
                 <a:latin typeface="+mj-ea"/>
               </a:rPr>
               <a:t> </a:t>
             </a:r>
             <a:r>
-              <a:rPr lang="ko-KR" altLang="en-US" sz="3200" dirty="0" smtClean="0">
+              <a:rPr lang="ko-KR" altLang="en-US" sz="3200" dirty="0">
                 <a:latin typeface="+mj-ea"/>
               </a:rPr>
               <a:t>실행 화면</a:t>
             </a:r>
-            <a:endParaRPr lang="ko-KR" altLang="en-US" sz="3200" dirty="0">
-              <a:latin typeface="+mj-ea"/>
-            </a:endParaRPr>
           </a:p>
         </p:txBody>
       </p:sp>
@@ -3747,22 +3730,22 @@
               <a:buChar char="•"/>
             </a:pPr>
             <a:r>
-              <a:rPr lang="ko-KR" altLang="en-US" sz="2000" dirty="0" err="1" smtClean="0"/>
+              <a:rPr lang="ko-KR" altLang="en-US" sz="2000" dirty="0" err="1"/>
               <a:t>뒤로가기</a:t>
             </a:r>
             <a:r>
-              <a:rPr lang="ko-KR" altLang="en-US" sz="2000" dirty="0" smtClean="0"/>
+              <a:rPr lang="ko-KR" altLang="en-US" sz="2000" dirty="0"/>
               <a:t> 클릭 시 다시 </a:t>
             </a:r>
             <a:r>
-              <a:rPr lang="en-US" altLang="ko-KR" sz="2000" dirty="0" smtClean="0"/>
+              <a:rPr lang="en-US" altLang="ko-KR" sz="2000" dirty="0"/>
               <a:t>inputForm1.html </a:t>
             </a:r>
             <a:r>
-              <a:rPr lang="ko-KR" altLang="en-US" sz="2000" dirty="0" smtClean="0"/>
+              <a:rPr lang="ko-KR" altLang="en-US" sz="2000" dirty="0"/>
               <a:t>로 이동</a:t>
             </a:r>
-            <a:endParaRPr lang="en-US" altLang="ko-KR" sz="2000" dirty="0" smtClean="0"/>
+            <a:endParaRPr lang="en-US" altLang="ko-KR" sz="2000" dirty="0"/>
           </a:p>
         </p:txBody>
       </p:sp>
@@ -3883,7 +3866,7 @@
           <p:cNvPr id="2" name="제목 1">
             <a:extLst>
               <a:ext uri="{FF2B5EF4-FFF2-40B4-BE49-F238E27FC236}">
-                <a16:creationId xmlns="" xmlns:a16="http://schemas.microsoft.com/office/drawing/2014/main" id="{635C47BF-19DD-7A68-913E-EF8F14DBA234}"/>
+                <a16:creationId xmlns:a16="http://schemas.microsoft.com/office/drawing/2014/main" id="{635C47BF-19DD-7A68-913E-EF8F14DBA234}"/>
               </a:ext>
             </a:extLst>
           </p:cNvPr>
@@ -3911,7 +3894,7 @@
               <a:buChar char="•"/>
             </a:pPr>
             <a:r>
-              <a:rPr lang="en-US" altLang="ko-KR" sz="3200" dirty="0" smtClean="0">
+              <a:rPr lang="en-US" altLang="ko-KR" sz="3200" dirty="0">
                 <a:latin typeface="+mj-ea"/>
               </a:rPr>
               <a:t>InputForm2.html</a:t>
@@ -3976,7 +3959,7 @@
               <a:buChar char="•"/>
             </a:pPr>
             <a:r>
-              <a:rPr lang="ko-KR" altLang="en-US" sz="2000" dirty="0" smtClean="0"/>
+              <a:rPr lang="ko-KR" altLang="en-US" sz="2000" dirty="0"/>
               <a:t>학번을 통해 조회를 하기 </a:t>
             </a:r>
             <a:r>
@@ -4003,7 +3986,7 @@
               <a:buFont typeface="Arial" panose="020B0604020202020204" pitchFamily="34" charset="0"/>
               <a:buChar char="•"/>
             </a:pPr>
-            <a:endParaRPr lang="en-US" altLang="ko-KR" sz="2000" dirty="0" smtClean="0"/>
+            <a:endParaRPr lang="en-US" altLang="ko-KR" sz="2000" dirty="0"/>
           </a:p>
         </p:txBody>
       </p:sp>
@@ -4090,7 +4073,7 @@
           <p:cNvPr id="4" name="제목 1">
             <a:extLst>
               <a:ext uri="{FF2B5EF4-FFF2-40B4-BE49-F238E27FC236}">
-                <a16:creationId xmlns="" xmlns:a16="http://schemas.microsoft.com/office/drawing/2014/main" id="{635C47BF-19DD-7A68-913E-EF8F14DBA234}"/>
+                <a16:creationId xmlns:a16="http://schemas.microsoft.com/office/drawing/2014/main" id="{635C47BF-19DD-7A68-913E-EF8F14DBA234}"/>
               </a:ext>
             </a:extLst>
           </p:cNvPr>
@@ -4121,23 +4104,14 @@
               <a:rPr lang="en-US" altLang="ko-KR" sz="3200" dirty="0">
                 <a:latin typeface="+mj-ea"/>
               </a:rPr>
-              <a:t>I</a:t>
-            </a:r>
-            <a:r>
-              <a:rPr lang="en-US" altLang="ko-KR" sz="3200" dirty="0" smtClean="0">
+              <a:t>InputForm2.html </a:t>
+            </a:r>
+            <a:r>
+              <a:rPr lang="ko-KR" altLang="en-US" sz="3200" dirty="0">
                 <a:latin typeface="+mj-ea"/>
               </a:rPr>
-              <a:t>nputForm2.html </a:t>
-            </a:r>
-            <a:r>
-              <a:rPr lang="ko-KR" altLang="en-US" sz="3200" dirty="0" smtClean="0">
-                <a:latin typeface="+mj-ea"/>
-              </a:rPr>
               <a:t>실행 화면</a:t>
             </a:r>
-            <a:endParaRPr lang="ko-KR" altLang="en-US" sz="3200" dirty="0">
-              <a:latin typeface="+mj-ea"/>
-            </a:endParaRPr>
           </a:p>
         </p:txBody>
       </p:sp>
@@ -4171,22 +4145,22 @@
               <a:buChar char="•"/>
             </a:pPr>
             <a:r>
-              <a:rPr lang="ko-KR" altLang="en-US" sz="2000" dirty="0" smtClean="0"/>
+              <a:rPr lang="ko-KR" altLang="en-US" sz="2000" dirty="0"/>
               <a:t>조회 버튼 클릭 시 </a:t>
             </a:r>
             <a:r>
-              <a:rPr lang="en-US" altLang="ko-KR" sz="2000" dirty="0" err="1" smtClean="0"/>
+              <a:rPr lang="en-US" altLang="ko-KR" sz="2000" dirty="0" err="1"/>
               <a:t>showREC.jsp</a:t>
             </a:r>
             <a:r>
-              <a:rPr lang="en-US" altLang="ko-KR" sz="2000" dirty="0" smtClean="0"/>
+              <a:rPr lang="en-US" altLang="ko-KR" sz="2000" dirty="0"/>
               <a:t> </a:t>
             </a:r>
             <a:r>
-              <a:rPr lang="ko-KR" altLang="en-US" sz="2000" dirty="0" smtClean="0"/>
+              <a:rPr lang="ko-KR" altLang="en-US" sz="2000" dirty="0"/>
               <a:t>로 이동</a:t>
             </a:r>
-            <a:endParaRPr lang="en-US" altLang="ko-KR" sz="2000" dirty="0" smtClean="0"/>
+            <a:endParaRPr lang="en-US" altLang="ko-KR" sz="2000" dirty="0"/>
           </a:p>
         </p:txBody>
       </p:sp>
@@ -4307,7 +4281,7 @@
           <p:cNvPr id="2" name="제목 1">
             <a:extLst>
               <a:ext uri="{FF2B5EF4-FFF2-40B4-BE49-F238E27FC236}">
-                <a16:creationId xmlns="" xmlns:a16="http://schemas.microsoft.com/office/drawing/2014/main" id="{635C47BF-19DD-7A68-913E-EF8F14DBA234}"/>
+                <a16:creationId xmlns:a16="http://schemas.microsoft.com/office/drawing/2014/main" id="{635C47BF-19DD-7A68-913E-EF8F14DBA234}"/>
               </a:ext>
             </a:extLst>
           </p:cNvPr>
@@ -4335,7 +4309,7 @@
               <a:buChar char="•"/>
             </a:pPr>
             <a:r>
-              <a:rPr lang="en-US" altLang="ko-KR" sz="3200" dirty="0" err="1" smtClean="0">
+              <a:rPr lang="en-US" altLang="ko-KR" sz="3200" dirty="0" err="1">
                 <a:latin typeface="+mj-ea"/>
               </a:rPr>
               <a:t>showREC.jsp</a:t>
@@ -4400,49 +4374,49 @@
               <a:buChar char="•"/>
             </a:pPr>
             <a:r>
-              <a:rPr lang="ko-KR" altLang="en-US" sz="2000" dirty="0" smtClean="0">
+              <a:rPr lang="ko-KR" altLang="en-US" sz="2000" dirty="0">
                 <a:latin typeface="+mn-ea"/>
               </a:rPr>
               <a:t>입력 받은 학번 값을 전달받아 </a:t>
             </a:r>
             <a:r>
-              <a:rPr lang="en-US" altLang="ko-KR" sz="2000" dirty="0" smtClean="0">
+              <a:rPr lang="en-US" altLang="ko-KR" sz="2000" dirty="0">
                 <a:latin typeface="+mn-ea"/>
               </a:rPr>
               <a:t>DB</a:t>
             </a:r>
             <a:r>
-              <a:rPr lang="ko-KR" altLang="en-US" sz="2000" dirty="0" smtClean="0">
+              <a:rPr lang="ko-KR" altLang="en-US" sz="2000" dirty="0">
                 <a:latin typeface="+mn-ea"/>
               </a:rPr>
               <a:t>에 </a:t>
             </a:r>
             <a:r>
-              <a:rPr lang="ko-KR" altLang="en-US" sz="2000" dirty="0" err="1" smtClean="0">
+              <a:rPr lang="ko-KR" altLang="en-US" sz="2000" dirty="0" err="1">
                 <a:latin typeface="+mn-ea"/>
               </a:rPr>
               <a:t>입력받은</a:t>
             </a:r>
             <a:r>
-              <a:rPr lang="ko-KR" altLang="en-US" sz="2000" dirty="0" smtClean="0">
+              <a:rPr lang="ko-KR" altLang="en-US" sz="2000" dirty="0">
                 <a:latin typeface="+mn-ea"/>
               </a:rPr>
               <a:t> 학번의 값이 존재할 때 테이블에 각 </a:t>
             </a:r>
             <a:r>
-              <a:rPr lang="ko-KR" altLang="en-US" sz="2000" dirty="0" err="1" smtClean="0">
+              <a:rPr lang="ko-KR" altLang="en-US" sz="2000" dirty="0" err="1">
                 <a:latin typeface="+mn-ea"/>
               </a:rPr>
               <a:t>컬럼별로</a:t>
             </a:r>
             <a:r>
-              <a:rPr lang="ko-KR" altLang="en-US" sz="2000" dirty="0" smtClean="0">
+              <a:rPr lang="ko-KR" altLang="en-US" sz="2000" dirty="0">
                 <a:latin typeface="+mn-ea"/>
               </a:rPr>
               <a:t> 정보를 보여준다</a:t>
             </a:r>
             <a:r>
-              <a:rPr lang="en-US" altLang="ko-KR" sz="2000" dirty="0" smtClean="0">
+              <a:rPr lang="en-US" altLang="ko-KR" sz="2000" dirty="0">
                 <a:latin typeface="+mn-ea"/>
               </a:rPr>
               <a:t>.</a:t>
@@ -4456,7 +4430,7 @@
               <a:buFont typeface="Arial" panose="020B0604020202020204" pitchFamily="34" charset="0"/>
               <a:buChar char="•"/>
             </a:pPr>
-            <a:endParaRPr lang="en-US" altLang="ko-KR" sz="2000" dirty="0" smtClean="0">
+            <a:endParaRPr lang="en-US" altLang="ko-KR" sz="2000" dirty="0">
               <a:latin typeface="+mn-ea"/>
             </a:endParaRPr>
           </a:p>
@@ -4497,7 +4471,7 @@
           <p:cNvPr id="2" name="제목 1">
             <a:extLst>
               <a:ext uri="{FF2B5EF4-FFF2-40B4-BE49-F238E27FC236}">
-                <a16:creationId xmlns="" xmlns:a16="http://schemas.microsoft.com/office/drawing/2014/main" id="{635C47BF-19DD-7A68-913E-EF8F14DBA234}"/>
+                <a16:creationId xmlns:a16="http://schemas.microsoft.com/office/drawing/2014/main" id="{635C47BF-19DD-7A68-913E-EF8F14DBA234}"/>
               </a:ext>
             </a:extLst>
           </p:cNvPr>
@@ -4544,7 +4518,7 @@
               <a:buChar char="•"/>
             </a:pPr>
             <a:r>
-              <a:rPr lang="en-US" altLang="ko-KR" sz="3200" smtClean="0">
+              <a:rPr lang="en-US" altLang="ko-KR" sz="3200">
                 <a:latin typeface="+mj-ea"/>
               </a:rPr>
               <a:t>showREC.jsp</a:t>
@@ -4606,32 +4580,29 @@
               <a:buChar char="•"/>
             </a:pPr>
             <a:r>
-              <a:rPr lang="ko-KR" altLang="en-US" sz="2000" dirty="0" err="1" smtClean="0">
+              <a:rPr lang="ko-KR" altLang="en-US" sz="2000" dirty="0" err="1">
                 <a:latin typeface="+mn-ea"/>
               </a:rPr>
               <a:t>입력받은</a:t>
             </a:r>
             <a:r>
-              <a:rPr lang="ko-KR" altLang="en-US" sz="2000" dirty="0" smtClean="0">
+              <a:rPr lang="ko-KR" altLang="en-US" sz="2000" dirty="0">
                 <a:latin typeface="+mn-ea"/>
               </a:rPr>
               <a:t> 학번이 </a:t>
             </a:r>
             <a:r>
-              <a:rPr lang="en-US" altLang="ko-KR" sz="2000" dirty="0" smtClean="0">
+              <a:rPr lang="en-US" altLang="ko-KR" sz="2000" dirty="0">
                 <a:latin typeface="+mn-ea"/>
               </a:rPr>
               <a:t>DB</a:t>
             </a:r>
             <a:r>
-              <a:rPr lang="ko-KR" altLang="en-US" sz="2000" dirty="0" smtClean="0">
+              <a:rPr lang="ko-KR" altLang="en-US" sz="2000" dirty="0">
                 <a:latin typeface="+mn-ea"/>
               </a:rPr>
               <a:t>에 존재할 때 보여지는 형태 구현</a:t>
             </a:r>
-            <a:endParaRPr lang="ko-KR" altLang="en-US" sz="2000" dirty="0">
-              <a:latin typeface="+mn-ea"/>
-            </a:endParaRPr>
           </a:p>
         </p:txBody>
       </p:sp>
@@ -4694,7 +4665,7 @@
           <p:cNvPr id="2" name="제목 1">
             <a:extLst>
               <a:ext uri="{FF2B5EF4-FFF2-40B4-BE49-F238E27FC236}">
-                <a16:creationId xmlns="" xmlns:a16="http://schemas.microsoft.com/office/drawing/2014/main" id="{635C47BF-19DD-7A68-913E-EF8F14DBA234}"/>
+                <a16:creationId xmlns:a16="http://schemas.microsoft.com/office/drawing/2014/main" id="{635C47BF-19DD-7A68-913E-EF8F14DBA234}"/>
               </a:ext>
             </a:extLst>
           </p:cNvPr>
@@ -4741,13 +4712,13 @@
               <a:buChar char="•"/>
             </a:pPr>
             <a:r>
-              <a:rPr lang="en-US" altLang="ko-KR" sz="3200" smtClean="0">
+              <a:rPr lang="en-US" altLang="ko-KR" sz="3200">
                 <a:latin typeface="+mj-ea"/>
               </a:rPr>
               <a:t>showREC.jsp </a:t>
             </a:r>
             <a:r>
-              <a:rPr lang="ko-KR" altLang="en-US" sz="3200" smtClean="0">
+              <a:rPr lang="ko-KR" altLang="en-US" sz="3200">
                 <a:latin typeface="+mj-ea"/>
               </a:rPr>
               <a:t>실행 화면</a:t>
@@ -4785,10 +4756,10 @@
               <a:buChar char="•"/>
             </a:pPr>
             <a:r>
-              <a:rPr lang="ko-KR" altLang="en-US" sz="2000" dirty="0" smtClean="0"/>
+              <a:rPr lang="ko-KR" altLang="en-US" sz="2000" dirty="0"/>
               <a:t>찾는 학번의 값이 있을 때 보여지는 형태</a:t>
             </a:r>
-            <a:endParaRPr lang="en-US" altLang="ko-KR" sz="2000" dirty="0" smtClean="0"/>
+            <a:endParaRPr lang="en-US" altLang="ko-KR" sz="2000" dirty="0"/>
           </a:p>
           <a:p>
             <a:pPr marL="285750" indent="-285750">
@@ -4803,18 +4774,18 @@
               <a:buChar char="•"/>
             </a:pPr>
             <a:r>
-              <a:rPr lang="ko-KR" altLang="en-US" sz="2000" dirty="0" smtClean="0"/>
+              <a:rPr lang="ko-KR" altLang="en-US" sz="2000" dirty="0"/>
               <a:t>조회 클릭 시 </a:t>
             </a:r>
             <a:r>
-              <a:rPr lang="en-US" altLang="ko-KR" sz="2000" dirty="0" smtClean="0"/>
+              <a:rPr lang="en-US" altLang="ko-KR" sz="2000" dirty="0"/>
               <a:t>InputForm2.html </a:t>
             </a:r>
             <a:r>
-              <a:rPr lang="ko-KR" altLang="en-US" sz="2000" dirty="0" smtClean="0"/>
+              <a:rPr lang="ko-KR" altLang="en-US" sz="2000" dirty="0"/>
               <a:t>로 이동 </a:t>
             </a:r>
-            <a:endParaRPr lang="en-US" altLang="ko-KR" sz="2000" dirty="0" smtClean="0"/>
+            <a:endParaRPr lang="en-US" altLang="ko-KR" sz="2000" dirty="0"/>
           </a:p>
           <a:p>
             <a:pPr marL="285750" indent="-285750">
@@ -4829,22 +4800,18 @@
               <a:buChar char="•"/>
             </a:pPr>
             <a:r>
-              <a:rPr lang="ko-KR" altLang="en-US" sz="2000" dirty="0" smtClean="0"/>
+              <a:rPr lang="ko-KR" altLang="en-US" sz="2000" dirty="0"/>
               <a:t>수정 클릭 시 </a:t>
             </a:r>
             <a:r>
-              <a:rPr lang="en-US" altLang="ko-KR" sz="2000" dirty="0" err="1" smtClean="0"/>
+              <a:rPr lang="en-US" altLang="ko-KR" sz="2000" dirty="0" err="1"/>
               <a:t>updateDb.jsp</a:t>
             </a:r>
             <a:r>
               <a:rPr lang="ko-KR" altLang="en-US" sz="2000" dirty="0"/>
-              <a:t> </a:t>
-            </a:r>
-            <a:r>
-              <a:rPr lang="ko-KR" altLang="en-US" sz="2000" dirty="0" smtClean="0"/>
-              <a:t>로 이동</a:t>
-            </a:r>
-            <a:endParaRPr lang="en-US" altLang="ko-KR" sz="2000" dirty="0" smtClean="0"/>
+              <a:t> 로 이동</a:t>
+            </a:r>
+            <a:endParaRPr lang="en-US" altLang="ko-KR" sz="2000" dirty="0"/>
           </a:p>
           <a:p>
             <a:pPr marL="285750" indent="-285750">
@@ -4859,22 +4826,21 @@
               <a:buChar char="•"/>
             </a:pPr>
             <a:r>
-              <a:rPr lang="ko-KR" altLang="en-US" sz="2000" dirty="0" smtClean="0"/>
+              <a:rPr lang="ko-KR" altLang="en-US" sz="2000" dirty="0"/>
               <a:t>삭제 클릭 시 </a:t>
             </a:r>
             <a:r>
-              <a:rPr lang="en-US" altLang="ko-KR" sz="2000" dirty="0" err="1" smtClean="0"/>
+              <a:rPr lang="en-US" altLang="ko-KR" sz="2000" dirty="0" err="1"/>
               <a:t>deleted.jsp</a:t>
             </a:r>
             <a:r>
-              <a:rPr lang="en-US" altLang="ko-KR" sz="2000" dirty="0" smtClean="0"/>
+              <a:rPr lang="en-US" altLang="ko-KR" sz="2000" dirty="0"/>
               <a:t> </a:t>
             </a:r>
             <a:r>
-              <a:rPr lang="ko-KR" altLang="en-US" sz="2000" dirty="0" smtClean="0"/>
+              <a:rPr lang="ko-KR" altLang="en-US" sz="2000" dirty="0"/>
               <a:t>로 이동</a:t>
             </a:r>
-            <a:endParaRPr lang="ko-KR" altLang="en-US" sz="2000" dirty="0"/>
           </a:p>
         </p:txBody>
       </p:sp>
@@ -5051,7 +5017,7 @@
           <p:cNvPr id="2" name="제목 1">
             <a:extLst>
               <a:ext uri="{FF2B5EF4-FFF2-40B4-BE49-F238E27FC236}">
-                <a16:creationId xmlns="" xmlns:a16="http://schemas.microsoft.com/office/drawing/2014/main" id="{635C47BF-19DD-7A68-913E-EF8F14DBA234}"/>
+                <a16:creationId xmlns:a16="http://schemas.microsoft.com/office/drawing/2014/main" id="{635C47BF-19DD-7A68-913E-EF8F14DBA234}"/>
               </a:ext>
             </a:extLst>
           </p:cNvPr>
@@ -5098,7 +5064,7 @@
               <a:buChar char="•"/>
             </a:pPr>
             <a:r>
-              <a:rPr lang="en-US" altLang="ko-KR" sz="3200" dirty="0" err="1" smtClean="0">
+              <a:rPr lang="en-US" altLang="ko-KR" sz="3200" dirty="0" err="1">
                 <a:latin typeface="+mj-ea"/>
               </a:rPr>
               <a:t>showREC.jsp</a:t>
@@ -5139,30 +5105,30 @@
               <a:buChar char="•"/>
             </a:pPr>
             <a:r>
-              <a:rPr lang="ko-KR" altLang="en-US" sz="2000" dirty="0" err="1" smtClean="0">
+              <a:rPr lang="ko-KR" altLang="en-US" sz="2000" dirty="0" err="1">
                 <a:latin typeface="+mn-ea"/>
               </a:rPr>
               <a:t>입력받은</a:t>
             </a:r>
             <a:r>
-              <a:rPr lang="ko-KR" altLang="en-US" sz="2000" dirty="0" smtClean="0">
+              <a:rPr lang="ko-KR" altLang="en-US" sz="2000" dirty="0">
                 <a:latin typeface="+mn-ea"/>
               </a:rPr>
               <a:t> 학번이 </a:t>
             </a:r>
             <a:r>
-              <a:rPr lang="en-US" altLang="ko-KR" sz="2000" dirty="0" smtClean="0">
+              <a:rPr lang="en-US" altLang="ko-KR" sz="2000" dirty="0">
                 <a:latin typeface="+mn-ea"/>
               </a:rPr>
               <a:t>DB</a:t>
             </a:r>
             <a:r>
-              <a:rPr lang="ko-KR" altLang="en-US" sz="2000" dirty="0" smtClean="0">
+              <a:rPr lang="ko-KR" altLang="en-US" sz="2000" dirty="0">
                 <a:latin typeface="+mn-ea"/>
               </a:rPr>
               <a:t>에 존재하지 않을 때 보여지는 형태 구현</a:t>
             </a:r>
-            <a:endParaRPr lang="en-US" altLang="ko-KR" sz="2000" dirty="0" smtClean="0">
+            <a:endParaRPr lang="en-US" altLang="ko-KR" sz="2000" dirty="0">
               <a:latin typeface="+mn-ea"/>
             </a:endParaRPr>
           </a:p>
@@ -5187,13 +5153,13 @@
               <a:buChar char="•"/>
             </a:pPr>
             <a:r>
-              <a:rPr lang="ko-KR" altLang="en-US" sz="2000" dirty="0" smtClean="0">
+              <a:rPr lang="ko-KR" altLang="en-US" sz="2000" dirty="0">
                 <a:latin typeface="+mn-ea"/>
               </a:rPr>
               <a:t>해당학번 없음으로 처리하고 나머지 셀 값은 비어둔다</a:t>
             </a:r>
             <a:r>
-              <a:rPr lang="en-US" altLang="ko-KR" sz="2000" dirty="0" smtClean="0">
+              <a:rPr lang="en-US" altLang="ko-KR" sz="2000" dirty="0">
                 <a:latin typeface="+mn-ea"/>
               </a:rPr>
               <a:t>.</a:t>
@@ -5263,7 +5229,7 @@
           <p:cNvPr id="2" name="제목 1">
             <a:extLst>
               <a:ext uri="{FF2B5EF4-FFF2-40B4-BE49-F238E27FC236}">
-                <a16:creationId xmlns="" xmlns:a16="http://schemas.microsoft.com/office/drawing/2014/main" id="{635C47BF-19DD-7A68-913E-EF8F14DBA234}"/>
+                <a16:creationId xmlns:a16="http://schemas.microsoft.com/office/drawing/2014/main" id="{635C47BF-19DD-7A68-913E-EF8F14DBA234}"/>
               </a:ext>
             </a:extLst>
           </p:cNvPr>
@@ -5291,13 +5257,13 @@
               <a:buChar char="•"/>
             </a:pPr>
             <a:r>
-              <a:rPr lang="en-US" altLang="ko-KR" sz="3200" dirty="0" err="1" smtClean="0">
+              <a:rPr lang="en-US" altLang="ko-KR" sz="3200" dirty="0" err="1">
                 <a:latin typeface="+mj-ea"/>
               </a:rPr>
               <a:t>showREC.jsp</a:t>
             </a:r>
             <a:r>
-              <a:rPr lang="en-US" altLang="ko-KR" sz="3200" dirty="0" smtClean="0">
+              <a:rPr lang="en-US" altLang="ko-KR" sz="3200" dirty="0">
                 <a:latin typeface="+mj-ea"/>
               </a:rPr>
               <a:t> </a:t>
@@ -5338,18 +5304,10 @@
               <a:buChar char="•"/>
             </a:pPr>
             <a:r>
-              <a:rPr lang="ko-KR" altLang="en-US" sz="2000" dirty="0" smtClean="0"/>
-              <a:t>찾는 학번의 값이 </a:t>
-            </a:r>
-            <a:r>
-              <a:rPr lang="ko-KR" altLang="en-US" sz="2000" dirty="0" smtClean="0"/>
-              <a:t>없을 </a:t>
-            </a:r>
-            <a:r>
-              <a:rPr lang="ko-KR" altLang="en-US" sz="2000" dirty="0" smtClean="0"/>
-              <a:t>때 보여지는 형태</a:t>
-            </a:r>
-            <a:endParaRPr lang="en-US" altLang="ko-KR" sz="2000" dirty="0" smtClean="0"/>
+              <a:rPr lang="ko-KR" altLang="en-US" sz="2000" dirty="0"/>
+              <a:t>찾는 학번의 값이 없을 때 보여지는 형태</a:t>
+            </a:r>
+            <a:endParaRPr lang="en-US" altLang="ko-KR" sz="2000" dirty="0"/>
           </a:p>
           <a:p>
             <a:pPr marL="285750" indent="-285750">
@@ -5364,18 +5322,18 @@
               <a:buChar char="•"/>
             </a:pPr>
             <a:r>
-              <a:rPr lang="ko-KR" altLang="en-US" sz="2000" dirty="0" smtClean="0"/>
+              <a:rPr lang="ko-KR" altLang="en-US" sz="2000" dirty="0"/>
               <a:t>조회 클릭 시 </a:t>
             </a:r>
             <a:r>
-              <a:rPr lang="en-US" altLang="ko-KR" sz="2000" dirty="0" smtClean="0"/>
+              <a:rPr lang="en-US" altLang="ko-KR" sz="2000" dirty="0"/>
               <a:t>InputForm2.html </a:t>
             </a:r>
             <a:r>
-              <a:rPr lang="ko-KR" altLang="en-US" sz="2000" dirty="0" smtClean="0"/>
+              <a:rPr lang="ko-KR" altLang="en-US" sz="2000" dirty="0"/>
               <a:t>로 이동 </a:t>
             </a:r>
-            <a:endParaRPr lang="en-US" altLang="ko-KR" sz="2000" dirty="0" smtClean="0"/>
+            <a:endParaRPr lang="en-US" altLang="ko-KR" sz="2000" dirty="0"/>
           </a:p>
           <a:p>
             <a:pPr marL="285750" indent="-285750">
@@ -5445,7 +5403,7 @@
           <p:cNvPr id="2" name="제목 1">
             <a:extLst>
               <a:ext uri="{FF2B5EF4-FFF2-40B4-BE49-F238E27FC236}">
-                <a16:creationId xmlns="" xmlns:a16="http://schemas.microsoft.com/office/drawing/2014/main" id="{635C47BF-19DD-7A68-913E-EF8F14DBA234}"/>
+                <a16:creationId xmlns:a16="http://schemas.microsoft.com/office/drawing/2014/main" id="{635C47BF-19DD-7A68-913E-EF8F14DBA234}"/>
               </a:ext>
             </a:extLst>
           </p:cNvPr>
@@ -5492,7 +5450,7 @@
               <a:buChar char="•"/>
             </a:pPr>
             <a:r>
-              <a:rPr lang="en-US" altLang="ko-KR" sz="3200" dirty="0" err="1" smtClean="0">
+              <a:rPr lang="en-US" altLang="ko-KR" sz="3200" dirty="0" err="1">
                 <a:latin typeface="+mj-ea"/>
               </a:rPr>
               <a:t>updateDB.jsp</a:t>
@@ -5557,25 +5515,25 @@
               <a:buChar char="•"/>
             </a:pPr>
             <a:r>
-              <a:rPr lang="ko-KR" altLang="en-US" sz="2000" dirty="0" smtClean="0">
+              <a:rPr lang="ko-KR" altLang="en-US" sz="2000" dirty="0">
                 <a:latin typeface="+mn-ea"/>
               </a:rPr>
               <a:t>수정하기 위해 재입력 받은 과목의 값을 전달받아 해당 칼럼에 </a:t>
             </a:r>
             <a:r>
-              <a:rPr lang="en-US" altLang="ko-KR" sz="2000" dirty="0" smtClean="0">
+              <a:rPr lang="en-US" altLang="ko-KR" sz="2000" dirty="0">
                 <a:latin typeface="+mn-ea"/>
               </a:rPr>
               <a:t>update</a:t>
             </a:r>
             <a:r>
-              <a:rPr lang="ko-KR" altLang="en-US" sz="2000" dirty="0" smtClean="0">
+              <a:rPr lang="ko-KR" altLang="en-US" sz="2000" dirty="0">
                 <a:latin typeface="+mn-ea"/>
               </a:rPr>
               <a:t>하기 위한 기능을 구현하였다</a:t>
             </a:r>
             <a:r>
-              <a:rPr lang="en-US" altLang="ko-KR" sz="2000" dirty="0" smtClean="0">
+              <a:rPr lang="en-US" altLang="ko-KR" sz="2000" dirty="0">
                 <a:latin typeface="+mn-ea"/>
               </a:rPr>
               <a:t>.</a:t>
@@ -5589,7 +5547,7 @@
               <a:buFont typeface="Arial" panose="020B0604020202020204" pitchFamily="34" charset="0"/>
               <a:buChar char="•"/>
             </a:pPr>
-            <a:endParaRPr lang="en-US" altLang="ko-KR" sz="2000" dirty="0" smtClean="0">
+            <a:endParaRPr lang="en-US" altLang="ko-KR" sz="2000" dirty="0">
               <a:latin typeface="+mn-ea"/>
             </a:endParaRPr>
           </a:p>
@@ -5602,32 +5560,29 @@
               <a:buChar char="•"/>
             </a:pPr>
             <a:r>
-              <a:rPr lang="ko-KR" altLang="en-US" sz="2000" dirty="0" smtClean="0">
+              <a:rPr lang="ko-KR" altLang="en-US" sz="2000" dirty="0">
                 <a:latin typeface="+mn-ea"/>
               </a:rPr>
               <a:t>학번의 정보가 입력되지 않은 형태로 다시 </a:t>
             </a:r>
             <a:r>
-              <a:rPr lang="en-US" altLang="ko-KR" sz="2000" dirty="0" err="1" smtClean="0">
+              <a:rPr lang="en-US" altLang="ko-KR" sz="2000" dirty="0" err="1">
                 <a:latin typeface="+mn-ea"/>
               </a:rPr>
               <a:t>updateDB.jsp</a:t>
             </a:r>
             <a:r>
-              <a:rPr lang="ko-KR" altLang="en-US" sz="2000" dirty="0" smtClean="0">
+              <a:rPr lang="ko-KR" altLang="en-US" sz="2000" dirty="0">
                 <a:latin typeface="+mn-ea"/>
               </a:rPr>
               <a:t>에 접속하게 되었을 경우 앞 과정에서 세션에 저장한 값을 불러온다</a:t>
             </a:r>
             <a:r>
-              <a:rPr lang="en-US" altLang="ko-KR" sz="2000" dirty="0" smtClean="0">
+              <a:rPr lang="en-US" altLang="ko-KR" sz="2000" dirty="0">
                 <a:latin typeface="+mn-ea"/>
               </a:rPr>
               <a:t>.</a:t>
             </a:r>
-            <a:endParaRPr lang="en-US" altLang="ko-KR" sz="2000" dirty="0">
-              <a:latin typeface="+mn-ea"/>
-            </a:endParaRPr>
           </a:p>
         </p:txBody>
       </p:sp>
@@ -5666,7 +5621,7 @@
           <p:cNvPr id="9" name="제목 1">
             <a:extLst>
               <a:ext uri="{FF2B5EF4-FFF2-40B4-BE49-F238E27FC236}">
-                <a16:creationId xmlns="" xmlns:a16="http://schemas.microsoft.com/office/drawing/2014/main" id="{635C47BF-19DD-7A68-913E-EF8F14DBA234}"/>
+                <a16:creationId xmlns:a16="http://schemas.microsoft.com/office/drawing/2014/main" id="{635C47BF-19DD-7A68-913E-EF8F14DBA234}"/>
               </a:ext>
             </a:extLst>
           </p:cNvPr>
@@ -5713,7 +5668,7 @@
               <a:buChar char="•"/>
             </a:pPr>
             <a:r>
-              <a:rPr lang="en-US" altLang="ko-KR" sz="3200" dirty="0" err="1" smtClean="0">
+              <a:rPr lang="en-US" altLang="ko-KR" sz="3200" dirty="0" err="1">
                 <a:latin typeface="+mj-ea"/>
               </a:rPr>
               <a:t>updateDB.jsp</a:t>
@@ -5775,25 +5730,25 @@
               <a:buChar char="•"/>
             </a:pPr>
             <a:r>
-              <a:rPr lang="ko-KR" altLang="en-US" sz="2000" dirty="0" smtClean="0">
+              <a:rPr lang="ko-KR" altLang="en-US" sz="2000" dirty="0">
                 <a:latin typeface="+mn-ea"/>
               </a:rPr>
               <a:t>수정된 각 </a:t>
             </a:r>
             <a:r>
-              <a:rPr lang="ko-KR" altLang="en-US" sz="2000" dirty="0" err="1" smtClean="0">
+              <a:rPr lang="ko-KR" altLang="en-US" sz="2000" dirty="0" err="1">
                 <a:latin typeface="+mn-ea"/>
               </a:rPr>
               <a:t>컬럼의</a:t>
             </a:r>
             <a:r>
-              <a:rPr lang="ko-KR" altLang="en-US" sz="2000" dirty="0" smtClean="0">
+              <a:rPr lang="ko-KR" altLang="en-US" sz="2000" dirty="0">
                 <a:latin typeface="+mn-ea"/>
               </a:rPr>
               <a:t> 정보들을 형태에 맞춰서 보여준다</a:t>
             </a:r>
             <a:r>
-              <a:rPr lang="en-US" altLang="ko-KR" sz="2000" dirty="0" smtClean="0">
+              <a:rPr lang="en-US" altLang="ko-KR" sz="2000" dirty="0">
                 <a:latin typeface="+mn-ea"/>
               </a:rPr>
               <a:t>.</a:t>
@@ -5858,7 +5813,7 @@
           <a:p>
             <a:pPr algn="ctr"/>
             <a:r>
-              <a:rPr lang="en-US" altLang="ko-KR" sz="5400" dirty="0" err="1" smtClean="0">
+              <a:rPr lang="en-US" altLang="ko-KR" sz="5400" dirty="0" err="1">
                 <a:solidFill>
                   <a:schemeClr val="accent1"/>
                 </a:solidFill>
@@ -5873,7 +5828,7 @@
               <a:t>Student_Score</a:t>
             </a:r>
             <a:r>
-              <a:rPr lang="en-US" altLang="ko-KR" sz="5400" dirty="0" smtClean="0">
+              <a:rPr lang="en-US" altLang="ko-KR" sz="5400" dirty="0">
                 <a:solidFill>
                   <a:schemeClr val="accent1"/>
                 </a:solidFill>
@@ -5888,7 +5843,7 @@
               <a:t> </a:t>
             </a:r>
             <a:r>
-              <a:rPr lang="ko-KR" altLang="en-US" sz="5400" dirty="0" smtClean="0">
+              <a:rPr lang="ko-KR" altLang="en-US" sz="5400" dirty="0">
                 <a:solidFill>
                   <a:schemeClr val="accent1"/>
                 </a:solidFill>
@@ -5903,7 +5858,7 @@
               <a:t>만들기</a:t>
             </a:r>
             <a:r>
-              <a:rPr lang="en-US" altLang="ko-KR" sz="5400" dirty="0" smtClean="0">
+              <a:rPr lang="en-US" altLang="ko-KR" sz="5400" dirty="0">
                 <a:solidFill>
                   <a:schemeClr val="accent1"/>
                 </a:solidFill>
@@ -5967,7 +5922,7 @@
           <p:cNvPr id="9" name="제목 1">
             <a:extLst>
               <a:ext uri="{FF2B5EF4-FFF2-40B4-BE49-F238E27FC236}">
-                <a16:creationId xmlns="" xmlns:a16="http://schemas.microsoft.com/office/drawing/2014/main" id="{635C47BF-19DD-7A68-913E-EF8F14DBA234}"/>
+                <a16:creationId xmlns:a16="http://schemas.microsoft.com/office/drawing/2014/main" id="{635C47BF-19DD-7A68-913E-EF8F14DBA234}"/>
               </a:ext>
             </a:extLst>
           </p:cNvPr>
@@ -6014,14 +5969,11 @@
               <a:buChar char="•"/>
             </a:pPr>
             <a:r>
-              <a:rPr lang="ko-KR" altLang="en-US" sz="3200" dirty="0" smtClean="0">
+              <a:rPr lang="ko-KR" altLang="en-US" sz="3200" dirty="0">
                 <a:latin typeface="+mj-ea"/>
               </a:rPr>
               <a:t>여기서부터는 수정된 값과 전체 테이블의 조회 구현 </a:t>
             </a:r>
-            <a:endParaRPr lang="ko-KR" altLang="en-US" sz="3200" dirty="0">
-              <a:latin typeface="+mj-ea"/>
-            </a:endParaRPr>
           </a:p>
         </p:txBody>
       </p:sp>
@@ -6270,7 +6222,7 @@
           <p:cNvPr id="3" name="제목 1">
             <a:extLst>
               <a:ext uri="{FF2B5EF4-FFF2-40B4-BE49-F238E27FC236}">
-                <a16:creationId xmlns="" xmlns:a16="http://schemas.microsoft.com/office/drawing/2014/main" id="{635C47BF-19DD-7A68-913E-EF8F14DBA234}"/>
+                <a16:creationId xmlns:a16="http://schemas.microsoft.com/office/drawing/2014/main" id="{635C47BF-19DD-7A68-913E-EF8F14DBA234}"/>
               </a:ext>
             </a:extLst>
           </p:cNvPr>
@@ -6317,26 +6269,23 @@
               <a:buChar char="•"/>
             </a:pPr>
             <a:r>
-              <a:rPr lang="en-US" altLang="ko-KR" sz="3200" dirty="0" err="1" smtClean="0">
+              <a:rPr lang="en-US" altLang="ko-KR" sz="3200" dirty="0" err="1">
                 <a:latin typeface="+mj-ea"/>
               </a:rPr>
               <a:t>updateDB.jsp</a:t>
             </a:r>
             <a:r>
-              <a:rPr lang="en-US" altLang="ko-KR" sz="3200" dirty="0" smtClean="0">
+              <a:rPr lang="en-US" altLang="ko-KR" sz="3200" dirty="0">
                 <a:latin typeface="+mj-ea"/>
               </a:rPr>
               <a:t> </a:t>
             </a:r>
             <a:r>
-              <a:rPr lang="ko-KR" altLang="en-US" sz="3200" dirty="0" smtClean="0">
+              <a:rPr lang="ko-KR" altLang="en-US" sz="3200" dirty="0">
                 <a:latin typeface="+mj-ea"/>
               </a:rPr>
               <a:t>실행화면</a:t>
             </a:r>
-            <a:endParaRPr lang="ko-KR" altLang="en-US" sz="3200" dirty="0">
-              <a:latin typeface="+mj-ea"/>
-            </a:endParaRPr>
           </a:p>
         </p:txBody>
       </p:sp>
@@ -6370,49 +6319,49 @@
               <a:buChar char="•"/>
             </a:pPr>
             <a:r>
-              <a:rPr lang="ko-KR" altLang="en-US" sz="2000" dirty="0" smtClean="0">
+              <a:rPr lang="ko-KR" altLang="en-US" sz="2000" dirty="0">
                 <a:latin typeface="+mn-ea"/>
               </a:rPr>
               <a:t>수정된 값의 포인트 표시와 정보를 보여주고</a:t>
             </a:r>
             <a:r>
-              <a:rPr lang="en-US" altLang="ko-KR" sz="2000" dirty="0" smtClean="0">
+              <a:rPr lang="en-US" altLang="ko-KR" sz="2000" dirty="0">
                 <a:latin typeface="+mn-ea"/>
               </a:rPr>
               <a:t>,</a:t>
             </a:r>
             <a:r>
-              <a:rPr lang="ko-KR" altLang="en-US" sz="2000" dirty="0" smtClean="0">
+              <a:rPr lang="ko-KR" altLang="en-US" sz="2000" dirty="0">
                 <a:latin typeface="+mn-ea"/>
               </a:rPr>
               <a:t> 전체 </a:t>
             </a:r>
             <a:r>
-              <a:rPr lang="ko-KR" altLang="en-US" sz="2000" dirty="0" err="1" smtClean="0">
+              <a:rPr lang="ko-KR" altLang="en-US" sz="2000" dirty="0" err="1">
                 <a:latin typeface="+mn-ea"/>
               </a:rPr>
               <a:t>컬럼</a:t>
             </a:r>
             <a:r>
-              <a:rPr lang="ko-KR" altLang="en-US" sz="2000" dirty="0" smtClean="0">
+              <a:rPr lang="ko-KR" altLang="en-US" sz="2000" dirty="0">
                 <a:latin typeface="+mn-ea"/>
               </a:rPr>
               <a:t> 값의 조회에 대한 </a:t>
             </a:r>
             <a:r>
-              <a:rPr lang="ko-KR" altLang="en-US" sz="2000" dirty="0" err="1" smtClean="0">
+              <a:rPr lang="ko-KR" altLang="en-US" sz="2000" dirty="0" err="1">
                 <a:latin typeface="+mn-ea"/>
               </a:rPr>
               <a:t>페이지네이션을</a:t>
             </a:r>
             <a:r>
-              <a:rPr lang="ko-KR" altLang="en-US" sz="2000" dirty="0" smtClean="0">
+              <a:rPr lang="ko-KR" altLang="en-US" sz="2000" dirty="0">
                 <a:latin typeface="+mn-ea"/>
               </a:rPr>
               <a:t> 구현하였다</a:t>
             </a:r>
             <a:r>
-              <a:rPr lang="en-US" altLang="ko-KR" sz="2000" dirty="0" smtClean="0">
+              <a:rPr lang="en-US" altLang="ko-KR" sz="2000" dirty="0">
                 <a:latin typeface="+mn-ea"/>
               </a:rPr>
               <a:t>.</a:t>
@@ -6439,20 +6388,17 @@
               <a:buChar char="•"/>
             </a:pPr>
             <a:r>
-              <a:rPr lang="ko-KR" altLang="en-US" sz="2000" dirty="0" smtClean="0">
+              <a:rPr lang="ko-KR" altLang="en-US" sz="2000" dirty="0">
                 <a:latin typeface="+mn-ea"/>
               </a:rPr>
               <a:t>현재 페이지에 따라 하단의 페이지 표시에 포인트를 준다</a:t>
             </a:r>
             <a:r>
-              <a:rPr lang="en-US" altLang="ko-KR" sz="2000" dirty="0" smtClean="0">
+              <a:rPr lang="en-US" altLang="ko-KR" sz="2000" dirty="0">
                 <a:latin typeface="+mn-ea"/>
               </a:rPr>
               <a:t>.</a:t>
             </a:r>
-            <a:endParaRPr lang="en-US" altLang="ko-KR" sz="2000" dirty="0">
-              <a:latin typeface="+mn-ea"/>
-            </a:endParaRPr>
           </a:p>
         </p:txBody>
       </p:sp>
@@ -6491,7 +6437,7 @@
           <p:cNvPr id="2" name="제목 1">
             <a:extLst>
               <a:ext uri="{FF2B5EF4-FFF2-40B4-BE49-F238E27FC236}">
-                <a16:creationId xmlns="" xmlns:a16="http://schemas.microsoft.com/office/drawing/2014/main" id="{635C47BF-19DD-7A68-913E-EF8F14DBA234}"/>
+                <a16:creationId xmlns:a16="http://schemas.microsoft.com/office/drawing/2014/main" id="{635C47BF-19DD-7A68-913E-EF8F14DBA234}"/>
               </a:ext>
             </a:extLst>
           </p:cNvPr>
@@ -6538,7 +6484,7 @@
               <a:buChar char="•"/>
             </a:pPr>
             <a:r>
-              <a:rPr lang="en-US" altLang="ko-KR" sz="3200" dirty="0" err="1" smtClean="0">
+              <a:rPr lang="en-US" altLang="ko-KR" sz="3200" dirty="0" err="1">
                 <a:latin typeface="+mj-ea"/>
               </a:rPr>
               <a:t>deleteDB.jsp</a:t>
@@ -6627,31 +6573,31 @@
               <a:buChar char="•"/>
             </a:pPr>
             <a:r>
-              <a:rPr lang="ko-KR" altLang="en-US" sz="2000" dirty="0" err="1" smtClean="0">
+              <a:rPr lang="ko-KR" altLang="en-US" sz="2000" dirty="0" err="1">
                 <a:latin typeface="+mn-ea"/>
               </a:rPr>
               <a:t>입력받은</a:t>
             </a:r>
             <a:r>
-              <a:rPr lang="ko-KR" altLang="en-US" sz="2000" dirty="0" smtClean="0">
+              <a:rPr lang="ko-KR" altLang="en-US" sz="2000" dirty="0">
                 <a:latin typeface="+mn-ea"/>
               </a:rPr>
               <a:t> 학번 값을 전달받아 </a:t>
             </a:r>
             <a:r>
-              <a:rPr lang="ko-KR" altLang="en-US" sz="2000" dirty="0" err="1" smtClean="0">
+              <a:rPr lang="ko-KR" altLang="en-US" sz="2000" dirty="0" err="1">
                 <a:latin typeface="+mn-ea"/>
               </a:rPr>
               <a:t>컬럼에서</a:t>
             </a:r>
             <a:r>
-              <a:rPr lang="ko-KR" altLang="en-US" sz="2000" dirty="0" smtClean="0">
+              <a:rPr lang="ko-KR" altLang="en-US" sz="2000" dirty="0">
                 <a:latin typeface="+mn-ea"/>
               </a:rPr>
               <a:t> 해당 값을 삭제한다</a:t>
             </a:r>
             <a:r>
-              <a:rPr lang="en-US" altLang="ko-KR" sz="2000" dirty="0" smtClean="0">
+              <a:rPr lang="en-US" altLang="ko-KR" sz="2000" dirty="0">
                 <a:latin typeface="+mn-ea"/>
               </a:rPr>
               <a:t>.</a:t>
@@ -6678,7 +6624,7 @@
               <a:buChar char="•"/>
             </a:pPr>
             <a:r>
-              <a:rPr lang="ko-KR" altLang="en-US" sz="2000" dirty="0" smtClean="0">
+              <a:rPr lang="ko-KR" altLang="en-US" sz="2000" dirty="0">
                 <a:latin typeface="+mn-ea"/>
               </a:rPr>
               <a:t>삭제 후 테이블 전체 정보 조회 페이지를 출력</a:t>
@@ -6886,7 +6832,7 @@
           <p:cNvPr id="2" name="제목 1">
             <a:extLst>
               <a:ext uri="{FF2B5EF4-FFF2-40B4-BE49-F238E27FC236}">
-                <a16:creationId xmlns="" xmlns:a16="http://schemas.microsoft.com/office/drawing/2014/main" id="{635C47BF-19DD-7A68-913E-EF8F14DBA234}"/>
+                <a16:creationId xmlns:a16="http://schemas.microsoft.com/office/drawing/2014/main" id="{635C47BF-19DD-7A68-913E-EF8F14DBA234}"/>
               </a:ext>
             </a:extLst>
           </p:cNvPr>
@@ -6933,26 +6879,23 @@
               <a:buChar char="•"/>
             </a:pPr>
             <a:r>
-              <a:rPr lang="en-US" altLang="ko-KR" sz="3200" dirty="0" err="1" smtClean="0">
+              <a:rPr lang="en-US" altLang="ko-KR" sz="3200" dirty="0" err="1">
                 <a:latin typeface="+mj-ea"/>
               </a:rPr>
               <a:t>deleteDB.jsp</a:t>
             </a:r>
             <a:r>
-              <a:rPr lang="en-US" altLang="ko-KR" sz="3200" dirty="0" smtClean="0">
+              <a:rPr lang="en-US" altLang="ko-KR" sz="3200" dirty="0">
                 <a:latin typeface="+mj-ea"/>
               </a:rPr>
               <a:t> </a:t>
             </a:r>
             <a:r>
-              <a:rPr lang="ko-KR" altLang="en-US" sz="3200" dirty="0" smtClean="0">
+              <a:rPr lang="ko-KR" altLang="en-US" sz="3200" dirty="0">
                 <a:latin typeface="+mj-ea"/>
               </a:rPr>
               <a:t>실행 화면</a:t>
             </a:r>
-            <a:endParaRPr lang="ko-KR" altLang="en-US" sz="3200" dirty="0">
-              <a:latin typeface="+mj-ea"/>
-            </a:endParaRPr>
           </a:p>
         </p:txBody>
       </p:sp>
@@ -7007,22 +6950,22 @@
               <a:buChar char="•"/>
             </a:pPr>
             <a:r>
-              <a:rPr lang="ko-KR" altLang="en-US" sz="2000" dirty="0" err="1" smtClean="0"/>
+              <a:rPr lang="ko-KR" altLang="en-US" sz="2000" dirty="0" err="1"/>
               <a:t>뒤로가기</a:t>
             </a:r>
             <a:r>
-              <a:rPr lang="ko-KR" altLang="en-US" sz="2000" dirty="0" smtClean="0"/>
+              <a:rPr lang="ko-KR" altLang="en-US" sz="2000" dirty="0"/>
               <a:t> 클릭 시 </a:t>
             </a:r>
             <a:r>
-              <a:rPr lang="en-US" altLang="ko-KR" sz="2000" dirty="0" smtClean="0"/>
+              <a:rPr lang="en-US" altLang="ko-KR" sz="2000" dirty="0"/>
               <a:t>InputForm2.html </a:t>
             </a:r>
             <a:r>
-              <a:rPr lang="ko-KR" altLang="en-US" sz="2000" dirty="0" smtClean="0"/>
+              <a:rPr lang="ko-KR" altLang="en-US" sz="2000" dirty="0"/>
               <a:t>로 이동 </a:t>
             </a:r>
-            <a:endParaRPr lang="en-US" altLang="ko-KR" sz="2000" dirty="0" smtClean="0"/>
+            <a:endParaRPr lang="en-US" altLang="ko-KR" sz="2000" dirty="0"/>
           </a:p>
           <a:p>
             <a:pPr marL="285750" indent="-285750">
@@ -7068,7 +7011,7 @@
           <p:cNvPr id="2" name="제목 1">
             <a:extLst>
               <a:ext uri="{FF2B5EF4-FFF2-40B4-BE49-F238E27FC236}">
-                <a16:creationId xmlns="" xmlns:a16="http://schemas.microsoft.com/office/drawing/2014/main" id="{635C47BF-19DD-7A68-913E-EF8F14DBA234}"/>
+                <a16:creationId xmlns:a16="http://schemas.microsoft.com/office/drawing/2014/main" id="{635C47BF-19DD-7A68-913E-EF8F14DBA234}"/>
               </a:ext>
             </a:extLst>
           </p:cNvPr>
@@ -7096,7 +7039,7 @@
               <a:buChar char="•"/>
             </a:pPr>
             <a:r>
-              <a:rPr lang="en-US" altLang="ko-KR" sz="3200" dirty="0" err="1" smtClean="0">
+              <a:rPr lang="en-US" altLang="ko-KR" sz="3200" dirty="0" err="1">
                 <a:latin typeface="+mj-ea"/>
               </a:rPr>
               <a:t>createDB.jsp</a:t>
@@ -7161,13 +7104,13 @@
               <a:buChar char="•"/>
             </a:pPr>
             <a:r>
-              <a:rPr lang="ko-KR" altLang="en-US" sz="2000" dirty="0" smtClean="0">
+              <a:rPr lang="ko-KR" altLang="en-US" sz="2000" dirty="0">
                 <a:latin typeface="+mn-ea"/>
               </a:rPr>
               <a:t>데이터베이스에 들어갈 테이블의 생성과 칼럼의 정의를 구현 하였다</a:t>
             </a:r>
             <a:r>
-              <a:rPr lang="en-US" altLang="ko-KR" sz="2000" dirty="0" smtClean="0">
+              <a:rPr lang="en-US" altLang="ko-KR" sz="2000" dirty="0">
                 <a:latin typeface="+mn-ea"/>
               </a:rPr>
               <a:t>.</a:t>
@@ -7234,7 +7177,7 @@
           <p:cNvPr id="2" name="제목 1">
             <a:extLst>
               <a:ext uri="{FF2B5EF4-FFF2-40B4-BE49-F238E27FC236}">
-                <a16:creationId xmlns="" xmlns:a16="http://schemas.microsoft.com/office/drawing/2014/main" id="{635C47BF-19DD-7A68-913E-EF8F14DBA234}"/>
+                <a16:creationId xmlns:a16="http://schemas.microsoft.com/office/drawing/2014/main" id="{635C47BF-19DD-7A68-913E-EF8F14DBA234}"/>
               </a:ext>
             </a:extLst>
           </p:cNvPr>
@@ -7281,7 +7224,7 @@
               <a:buChar char="•"/>
             </a:pPr>
             <a:r>
-              <a:rPr lang="en-US" altLang="ko-KR" sz="3200" dirty="0" err="1" smtClean="0">
+              <a:rPr lang="en-US" altLang="ko-KR" sz="3200" dirty="0" err="1">
                 <a:latin typeface="+mj-ea"/>
               </a:rPr>
               <a:t>AllviewDB.jsp</a:t>
@@ -7370,25 +7313,25 @@
               <a:buChar char="•"/>
             </a:pPr>
             <a:r>
-              <a:rPr lang="ko-KR" altLang="en-US" sz="2000" dirty="0" smtClean="0">
+              <a:rPr lang="ko-KR" altLang="en-US" sz="2000" dirty="0">
                 <a:latin typeface="+mn-ea"/>
               </a:rPr>
               <a:t>지금까지 </a:t>
             </a:r>
             <a:r>
-              <a:rPr lang="ko-KR" altLang="en-US" sz="2000" dirty="0" err="1" smtClean="0">
+              <a:rPr lang="ko-KR" altLang="en-US" sz="2000" dirty="0" err="1">
                 <a:latin typeface="+mn-ea"/>
               </a:rPr>
               <a:t>입력받아서</a:t>
             </a:r>
             <a:r>
-              <a:rPr lang="ko-KR" altLang="en-US" sz="2000" dirty="0" smtClean="0">
+              <a:rPr lang="ko-KR" altLang="en-US" sz="2000" dirty="0">
                 <a:latin typeface="+mn-ea"/>
               </a:rPr>
               <a:t> 저장된 테이블의 모든 정보를 출력한다</a:t>
             </a:r>
             <a:r>
-              <a:rPr lang="en-US" altLang="ko-KR" sz="2000" dirty="0" smtClean="0">
+              <a:rPr lang="en-US" altLang="ko-KR" sz="2000" dirty="0">
                 <a:latin typeface="+mn-ea"/>
               </a:rPr>
               <a:t>.</a:t>
@@ -7403,96 +7346,96 @@
               <a:buChar char="•"/>
             </a:pPr>
             <a:r>
-              <a:rPr lang="ko-KR" altLang="en-US" sz="2000" dirty="0" smtClean="0">
+              <a:rPr lang="ko-KR" altLang="en-US" sz="2000" dirty="0">
                 <a:latin typeface="+mn-ea"/>
               </a:rPr>
               <a:t>이름</a:t>
             </a:r>
             <a:r>
-              <a:rPr lang="en-US" altLang="ko-KR" sz="2000" dirty="0" smtClean="0">
+              <a:rPr lang="en-US" altLang="ko-KR" sz="2000" dirty="0">
                 <a:latin typeface="+mn-ea"/>
               </a:rPr>
               <a:t>, </a:t>
             </a:r>
             <a:r>
-              <a:rPr lang="ko-KR" altLang="en-US" sz="2000" dirty="0" smtClean="0">
+              <a:rPr lang="ko-KR" altLang="en-US" sz="2000" dirty="0">
                 <a:latin typeface="+mn-ea"/>
               </a:rPr>
               <a:t>학번</a:t>
             </a:r>
             <a:r>
-              <a:rPr lang="en-US" altLang="ko-KR" sz="2000" dirty="0" smtClean="0">
+              <a:rPr lang="en-US" altLang="ko-KR" sz="2000" dirty="0">
                 <a:latin typeface="+mn-ea"/>
               </a:rPr>
               <a:t>, </a:t>
             </a:r>
             <a:r>
-              <a:rPr lang="ko-KR" altLang="en-US" sz="2000" dirty="0" smtClean="0">
+              <a:rPr lang="ko-KR" altLang="en-US" sz="2000" dirty="0">
                 <a:latin typeface="+mn-ea"/>
               </a:rPr>
               <a:t>국어</a:t>
             </a:r>
             <a:r>
-              <a:rPr lang="en-US" altLang="ko-KR" sz="2000" dirty="0" smtClean="0">
+              <a:rPr lang="en-US" altLang="ko-KR" sz="2000" dirty="0">
                 <a:latin typeface="+mn-ea"/>
               </a:rPr>
               <a:t>, </a:t>
             </a:r>
             <a:r>
-              <a:rPr lang="ko-KR" altLang="en-US" sz="2000" dirty="0" smtClean="0">
+              <a:rPr lang="ko-KR" altLang="en-US" sz="2000" dirty="0">
                 <a:latin typeface="+mn-ea"/>
               </a:rPr>
               <a:t>영어</a:t>
             </a:r>
             <a:r>
-              <a:rPr lang="en-US" altLang="ko-KR" sz="2000" dirty="0" smtClean="0">
+              <a:rPr lang="en-US" altLang="ko-KR" sz="2000" dirty="0">
                 <a:latin typeface="+mn-ea"/>
               </a:rPr>
               <a:t>, </a:t>
             </a:r>
             <a:r>
-              <a:rPr lang="ko-KR" altLang="en-US" sz="2000" dirty="0" smtClean="0">
+              <a:rPr lang="ko-KR" altLang="en-US" sz="2000" dirty="0">
                 <a:latin typeface="+mn-ea"/>
               </a:rPr>
               <a:t>수학</a:t>
             </a:r>
             <a:r>
-              <a:rPr lang="en-US" altLang="ko-KR" sz="2000" dirty="0" smtClean="0">
+              <a:rPr lang="en-US" altLang="ko-KR" sz="2000" dirty="0">
                 <a:latin typeface="+mn-ea"/>
               </a:rPr>
               <a:t>, </a:t>
             </a:r>
             <a:r>
-              <a:rPr lang="ko-KR" altLang="en-US" sz="2000" dirty="0" smtClean="0">
+              <a:rPr lang="ko-KR" altLang="en-US" sz="2000" dirty="0">
                 <a:latin typeface="+mn-ea"/>
               </a:rPr>
               <a:t>합계</a:t>
             </a:r>
             <a:r>
-              <a:rPr lang="en-US" altLang="ko-KR" sz="2000" dirty="0" smtClean="0">
+              <a:rPr lang="en-US" altLang="ko-KR" sz="2000" dirty="0">
                 <a:latin typeface="+mn-ea"/>
               </a:rPr>
               <a:t>, </a:t>
             </a:r>
             <a:r>
-              <a:rPr lang="ko-KR" altLang="en-US" sz="2000" dirty="0" smtClean="0">
+              <a:rPr lang="ko-KR" altLang="en-US" sz="2000" dirty="0">
                 <a:latin typeface="+mn-ea"/>
               </a:rPr>
               <a:t>평균</a:t>
             </a:r>
             <a:r>
-              <a:rPr lang="en-US" altLang="ko-KR" sz="2000" dirty="0" smtClean="0">
+              <a:rPr lang="en-US" altLang="ko-KR" sz="2000" dirty="0">
                 <a:latin typeface="+mn-ea"/>
               </a:rPr>
               <a:t>, Ranking </a:t>
             </a:r>
             <a:r>
-              <a:rPr lang="ko-KR" altLang="en-US" sz="2000" dirty="0" smtClean="0">
+              <a:rPr lang="ko-KR" altLang="en-US" sz="2000" dirty="0">
                 <a:latin typeface="+mn-ea"/>
               </a:rPr>
               <a:t>의 순으로 조회 출력</a:t>
             </a:r>
-            <a:endParaRPr lang="en-US" altLang="ko-KR" sz="2000" dirty="0" smtClean="0">
+            <a:endParaRPr lang="en-US" altLang="ko-KR" sz="2000" dirty="0">
               <a:latin typeface="+mn-ea"/>
             </a:endParaRPr>
           </a:p>
@@ -7517,13 +7460,13 @@
               <a:buChar char="•"/>
             </a:pPr>
             <a:r>
-              <a:rPr lang="ko-KR" altLang="en-US" sz="2000" dirty="0" err="1" smtClean="0">
+              <a:rPr lang="ko-KR" altLang="en-US" sz="2000" dirty="0" err="1">
                 <a:latin typeface="+mn-ea"/>
               </a:rPr>
               <a:t>페이지네이션</a:t>
             </a:r>
             <a:r>
-              <a:rPr lang="ko-KR" altLang="en-US" sz="2000" dirty="0" smtClean="0">
+              <a:rPr lang="ko-KR" altLang="en-US" sz="2000" dirty="0">
                 <a:latin typeface="+mn-ea"/>
               </a:rPr>
               <a:t> 적용</a:t>
@@ -7755,7 +7698,7 @@
           <p:cNvPr id="3" name="제목 1">
             <a:extLst>
               <a:ext uri="{FF2B5EF4-FFF2-40B4-BE49-F238E27FC236}">
-                <a16:creationId xmlns="" xmlns:a16="http://schemas.microsoft.com/office/drawing/2014/main" id="{635C47BF-19DD-7A68-913E-EF8F14DBA234}"/>
+                <a16:creationId xmlns:a16="http://schemas.microsoft.com/office/drawing/2014/main" id="{635C47BF-19DD-7A68-913E-EF8F14DBA234}"/>
               </a:ext>
             </a:extLst>
           </p:cNvPr>
@@ -7802,26 +7745,23 @@
               <a:buChar char="•"/>
             </a:pPr>
             <a:r>
-              <a:rPr lang="en-US" altLang="ko-KR" sz="3200" dirty="0" err="1" smtClean="0">
+              <a:rPr lang="en-US" altLang="ko-KR" sz="3200" dirty="0" err="1">
                 <a:latin typeface="+mj-ea"/>
               </a:rPr>
               <a:t>AllviewDB.jsp</a:t>
             </a:r>
             <a:r>
-              <a:rPr lang="en-US" altLang="ko-KR" sz="3200" dirty="0" smtClean="0">
+              <a:rPr lang="en-US" altLang="ko-KR" sz="3200" dirty="0">
                 <a:latin typeface="+mj-ea"/>
               </a:rPr>
               <a:t> </a:t>
             </a:r>
             <a:r>
-              <a:rPr lang="ko-KR" altLang="en-US" sz="3200" dirty="0" smtClean="0">
+              <a:rPr lang="ko-KR" altLang="en-US" sz="3200" dirty="0">
                 <a:latin typeface="+mj-ea"/>
               </a:rPr>
               <a:t>실행 화면</a:t>
             </a:r>
-            <a:endParaRPr lang="ko-KR" altLang="en-US" sz="3200" dirty="0">
-              <a:latin typeface="+mj-ea"/>
-            </a:endParaRPr>
           </a:p>
         </p:txBody>
       </p:sp>
@@ -7855,19 +7795,19 @@
               <a:buChar char="•"/>
             </a:pPr>
             <a:r>
-              <a:rPr lang="ko-KR" altLang="en-US" sz="2000" dirty="0" smtClean="0"/>
+              <a:rPr lang="ko-KR" altLang="en-US" sz="2000" dirty="0"/>
               <a:t>이름  클릭 시 </a:t>
             </a:r>
             <a:r>
-              <a:rPr lang="en-US" altLang="ko-KR" sz="2000" dirty="0" err="1" smtClean="0"/>
+              <a:rPr lang="en-US" altLang="ko-KR" sz="2000" dirty="0" err="1"/>
               <a:t>oneviewDB.jsp</a:t>
             </a:r>
             <a:r>
-              <a:rPr lang="en-US" altLang="ko-KR" sz="2000" dirty="0" smtClean="0"/>
+              <a:rPr lang="en-US" altLang="ko-KR" sz="2000" dirty="0"/>
               <a:t> </a:t>
             </a:r>
             <a:r>
-              <a:rPr lang="ko-KR" altLang="en-US" sz="2000" dirty="0" smtClean="0"/>
+              <a:rPr lang="ko-KR" altLang="en-US" sz="2000" dirty="0"/>
               <a:t>로 이동</a:t>
             </a:r>
             <a:endParaRPr lang="en-US" altLang="ko-KR" sz="2000" dirty="0"/>
@@ -7909,7 +7849,7 @@
           <p:cNvPr id="2" name="제목 1">
             <a:extLst>
               <a:ext uri="{FF2B5EF4-FFF2-40B4-BE49-F238E27FC236}">
-                <a16:creationId xmlns="" xmlns:a16="http://schemas.microsoft.com/office/drawing/2014/main" id="{635C47BF-19DD-7A68-913E-EF8F14DBA234}"/>
+                <a16:creationId xmlns:a16="http://schemas.microsoft.com/office/drawing/2014/main" id="{635C47BF-19DD-7A68-913E-EF8F14DBA234}"/>
               </a:ext>
             </a:extLst>
           </p:cNvPr>
@@ -7956,7 +7896,7 @@
               <a:buChar char="•"/>
             </a:pPr>
             <a:r>
-              <a:rPr lang="en-US" altLang="ko-KR" sz="3200" dirty="0" err="1" smtClean="0">
+              <a:rPr lang="en-US" altLang="ko-KR" sz="3200" dirty="0" err="1">
                 <a:latin typeface="+mj-ea"/>
               </a:rPr>
               <a:t>oneviewDB.jsp</a:t>
@@ -8021,31 +7961,31 @@
               <a:buChar char="•"/>
             </a:pPr>
             <a:r>
-              <a:rPr lang="ko-KR" altLang="en-US" sz="2000" dirty="0" smtClean="0">
+              <a:rPr lang="ko-KR" altLang="en-US" sz="2000" dirty="0">
                 <a:latin typeface="+mn-ea"/>
               </a:rPr>
               <a:t>이름 항목에서 전달받은 </a:t>
             </a:r>
             <a:r>
-              <a:rPr lang="en-US" altLang="ko-KR" sz="2000" dirty="0" smtClean="0">
+              <a:rPr lang="en-US" altLang="ko-KR" sz="2000" dirty="0">
                 <a:latin typeface="+mn-ea"/>
               </a:rPr>
               <a:t>key</a:t>
             </a:r>
             <a:r>
-              <a:rPr lang="ko-KR" altLang="en-US" sz="2000" dirty="0" smtClean="0">
+              <a:rPr lang="ko-KR" altLang="en-US" sz="2000" dirty="0">
                 <a:latin typeface="+mn-ea"/>
               </a:rPr>
               <a:t>값으로 해당 </a:t>
             </a:r>
             <a:r>
-              <a:rPr lang="en-US" altLang="ko-KR" sz="2000" dirty="0" smtClean="0">
+              <a:rPr lang="en-US" altLang="ko-KR" sz="2000" dirty="0">
                 <a:latin typeface="+mn-ea"/>
               </a:rPr>
               <a:t>key</a:t>
             </a:r>
             <a:r>
-              <a:rPr lang="ko-KR" altLang="en-US" sz="2000" dirty="0" smtClean="0">
+              <a:rPr lang="ko-KR" altLang="en-US" sz="2000" dirty="0">
                 <a:latin typeface="+mn-ea"/>
               </a:rPr>
               <a:t>의 정보 조회</a:t>
@@ -8115,7 +8055,7 @@
           <p:cNvPr id="3" name="제목 1">
             <a:extLst>
               <a:ext uri="{FF2B5EF4-FFF2-40B4-BE49-F238E27FC236}">
-                <a16:creationId xmlns="" xmlns:a16="http://schemas.microsoft.com/office/drawing/2014/main" id="{635C47BF-19DD-7A68-913E-EF8F14DBA234}"/>
+                <a16:creationId xmlns:a16="http://schemas.microsoft.com/office/drawing/2014/main" id="{635C47BF-19DD-7A68-913E-EF8F14DBA234}"/>
               </a:ext>
             </a:extLst>
           </p:cNvPr>
@@ -8162,26 +8102,23 @@
               <a:buChar char="•"/>
             </a:pPr>
             <a:r>
-              <a:rPr lang="en-US" altLang="ko-KR" sz="3200" dirty="0" err="1" smtClean="0">
+              <a:rPr lang="en-US" altLang="ko-KR" sz="3200" dirty="0" err="1">
                 <a:latin typeface="+mj-ea"/>
               </a:rPr>
               <a:t>oneviewDB.jsp</a:t>
             </a:r>
             <a:r>
-              <a:rPr lang="en-US" altLang="ko-KR" sz="3200" dirty="0" smtClean="0">
+              <a:rPr lang="en-US" altLang="ko-KR" sz="3200" dirty="0">
                 <a:latin typeface="+mj-ea"/>
               </a:rPr>
               <a:t> </a:t>
             </a:r>
             <a:r>
-              <a:rPr lang="ko-KR" altLang="en-US" sz="3200" dirty="0" smtClean="0">
+              <a:rPr lang="ko-KR" altLang="en-US" sz="3200" dirty="0">
                 <a:latin typeface="+mj-ea"/>
               </a:rPr>
               <a:t>실행 화면</a:t>
             </a:r>
-            <a:endParaRPr lang="ko-KR" altLang="en-US" sz="3200" dirty="0">
-              <a:latin typeface="+mj-ea"/>
-            </a:endParaRPr>
           </a:p>
         </p:txBody>
       </p:sp>
@@ -8215,11 +8152,11 @@
               <a:buChar char="•"/>
             </a:pPr>
             <a:r>
-              <a:rPr lang="en-US" altLang="ko-KR" sz="2000" dirty="0" smtClean="0"/>
+              <a:rPr lang="en-US" altLang="ko-KR" sz="2000" dirty="0"/>
               <a:t>Key</a:t>
             </a:r>
             <a:r>
-              <a:rPr lang="ko-KR" altLang="en-US" sz="2000" dirty="0" smtClean="0"/>
+              <a:rPr lang="ko-KR" altLang="en-US" sz="2000" dirty="0"/>
               <a:t>값으로 전달 받은 나연에 대한 전체 정보 조회 실행 화면</a:t>
             </a:r>
             <a:endParaRPr lang="en-US" altLang="ko-KR" sz="2000" dirty="0"/>
@@ -8261,7 +8198,7 @@
           <p:cNvPr id="2" name="제목 1">
             <a:extLst>
               <a:ext uri="{FF2B5EF4-FFF2-40B4-BE49-F238E27FC236}">
-                <a16:creationId xmlns="" xmlns:a16="http://schemas.microsoft.com/office/drawing/2014/main" id="{635C47BF-19DD-7A68-913E-EF8F14DBA234}"/>
+                <a16:creationId xmlns:a16="http://schemas.microsoft.com/office/drawing/2014/main" id="{635C47BF-19DD-7A68-913E-EF8F14DBA234}"/>
               </a:ext>
             </a:extLst>
           </p:cNvPr>
@@ -8308,7 +8245,7 @@
               <a:buChar char="•"/>
             </a:pPr>
             <a:r>
-              <a:rPr lang="en-US" altLang="ko-KR" sz="3200" dirty="0" smtClean="0">
+              <a:rPr lang="en-US" altLang="ko-KR" sz="3200" dirty="0">
                 <a:latin typeface="+mj-ea"/>
               </a:rPr>
               <a:t>Menu.html</a:t>
@@ -8373,13 +8310,13 @@
               <a:buChar char="•"/>
             </a:pPr>
             <a:r>
-              <a:rPr lang="en-US" altLang="ko-KR" sz="2000" dirty="0" smtClean="0">
+              <a:rPr lang="en-US" altLang="ko-KR" sz="2000" dirty="0">
                 <a:latin typeface="+mn-ea"/>
               </a:rPr>
               <a:t>Menu</a:t>
             </a:r>
             <a:r>
-              <a:rPr lang="ko-KR" altLang="en-US" sz="2000" dirty="0" smtClean="0">
+              <a:rPr lang="ko-KR" altLang="en-US" sz="2000" dirty="0">
                 <a:latin typeface="+mn-ea"/>
               </a:rPr>
               <a:t>창을 구현하기 위해 각각의 링크 연결 </a:t>
@@ -8449,7 +8386,7 @@
           <p:cNvPr id="3" name="제목 1">
             <a:extLst>
               <a:ext uri="{FF2B5EF4-FFF2-40B4-BE49-F238E27FC236}">
-                <a16:creationId xmlns="" xmlns:a16="http://schemas.microsoft.com/office/drawing/2014/main" id="{635C47BF-19DD-7A68-913E-EF8F14DBA234}"/>
+                <a16:creationId xmlns:a16="http://schemas.microsoft.com/office/drawing/2014/main" id="{635C47BF-19DD-7A68-913E-EF8F14DBA234}"/>
               </a:ext>
             </a:extLst>
           </p:cNvPr>
@@ -8496,19 +8433,19 @@
               <a:buChar char="•"/>
             </a:pPr>
             <a:r>
-              <a:rPr lang="en-US" altLang="ko-KR" sz="3200" dirty="0" smtClean="0">
+              <a:rPr lang="en-US" altLang="ko-KR" sz="3200" dirty="0">
                 <a:latin typeface="+mj-ea"/>
               </a:rPr>
               <a:t>Menu.html</a:t>
             </a:r>
             <a:r>
-              <a:rPr lang="ko-KR" altLang="en-US" sz="3200" dirty="0" smtClean="0">
+              <a:rPr lang="ko-KR" altLang="en-US" sz="3200" dirty="0">
                 <a:latin typeface="+mj-ea"/>
               </a:rPr>
               <a:t>의 스타일 구현을 위한 </a:t>
             </a:r>
             <a:r>
-              <a:rPr lang="en-US" altLang="ko-KR" sz="3200" dirty="0" smtClean="0">
+              <a:rPr lang="en-US" altLang="ko-KR" sz="3200" dirty="0">
                 <a:latin typeface="+mj-ea"/>
               </a:rPr>
               <a:t>CSS</a:t>
@@ -8666,7 +8603,7 @@
           <p:cNvPr id="3" name="제목 1">
             <a:extLst>
               <a:ext uri="{FF2B5EF4-FFF2-40B4-BE49-F238E27FC236}">
-                <a16:creationId xmlns="" xmlns:a16="http://schemas.microsoft.com/office/drawing/2014/main" id="{635C47BF-19DD-7A68-913E-EF8F14DBA234}"/>
+                <a16:creationId xmlns:a16="http://schemas.microsoft.com/office/drawing/2014/main" id="{635C47BF-19DD-7A68-913E-EF8F14DBA234}"/>
               </a:ext>
             </a:extLst>
           </p:cNvPr>
@@ -8713,7 +8650,7 @@
               <a:buChar char="•"/>
             </a:pPr>
             <a:r>
-              <a:rPr lang="en-US" altLang="ko-KR" sz="3200" dirty="0" smtClean="0">
+              <a:rPr lang="en-US" altLang="ko-KR" sz="3200" dirty="0">
                 <a:latin typeface="+mj-ea"/>
               </a:rPr>
               <a:t>Index.html</a:t>
@@ -8751,13 +8688,13 @@
               <a:buChar char="•"/>
             </a:pPr>
             <a:r>
-              <a:rPr lang="ko-KR" altLang="en-US" sz="2000" dirty="0" smtClean="0">
+              <a:rPr lang="ko-KR" altLang="en-US" sz="2000" dirty="0">
                 <a:latin typeface="+mn-ea"/>
               </a:rPr>
               <a:t>두 개의 프레임을 통해 왼쪽의 메뉴 클릭 시 오른쪽엔 실행화면 연결해 보여준다</a:t>
             </a:r>
             <a:r>
-              <a:rPr lang="en-US" altLang="ko-KR" sz="2000" dirty="0" smtClean="0">
+              <a:rPr lang="en-US" altLang="ko-KR" sz="2000" dirty="0">
                 <a:latin typeface="+mn-ea"/>
               </a:rPr>
               <a:t>.</a:t>
@@ -8803,7 +8740,7 @@
           <p:cNvPr id="2" name="제목 1">
             <a:extLst>
               <a:ext uri="{FF2B5EF4-FFF2-40B4-BE49-F238E27FC236}">
-                <a16:creationId xmlns="" xmlns:a16="http://schemas.microsoft.com/office/drawing/2014/main" id="{635C47BF-19DD-7A68-913E-EF8F14DBA234}"/>
+                <a16:creationId xmlns:a16="http://schemas.microsoft.com/office/drawing/2014/main" id="{635C47BF-19DD-7A68-913E-EF8F14DBA234}"/>
               </a:ext>
             </a:extLst>
           </p:cNvPr>
@@ -8831,7 +8768,7 @@
               <a:buChar char="•"/>
             </a:pPr>
             <a:r>
-              <a:rPr lang="en-US" altLang="ko-KR" sz="3200" dirty="0" err="1" smtClean="0">
+              <a:rPr lang="en-US" altLang="ko-KR" sz="3200" dirty="0" err="1">
                 <a:latin typeface="+mj-ea"/>
               </a:rPr>
               <a:t>dropDB.jsp</a:t>
@@ -8896,13 +8833,13 @@
               <a:buChar char="•"/>
             </a:pPr>
             <a:r>
-              <a:rPr lang="ko-KR" altLang="en-US" sz="2000" dirty="0" smtClean="0">
+              <a:rPr lang="ko-KR" altLang="en-US" sz="2000" dirty="0">
                 <a:latin typeface="+mn-ea"/>
               </a:rPr>
               <a:t>데이터베이스 테이블 삭제 기능을 구현하였다</a:t>
             </a:r>
             <a:r>
-              <a:rPr lang="en-US" altLang="ko-KR" sz="2000" dirty="0" smtClean="0">
+              <a:rPr lang="en-US" altLang="ko-KR" sz="2000" dirty="0">
                 <a:latin typeface="+mn-ea"/>
               </a:rPr>
               <a:t>.</a:t>
@@ -8993,7 +8930,7 @@
           <p:cNvPr id="3" name="제목 1">
             <a:extLst>
               <a:ext uri="{FF2B5EF4-FFF2-40B4-BE49-F238E27FC236}">
-                <a16:creationId xmlns="" xmlns:a16="http://schemas.microsoft.com/office/drawing/2014/main" id="{635C47BF-19DD-7A68-913E-EF8F14DBA234}"/>
+                <a16:creationId xmlns:a16="http://schemas.microsoft.com/office/drawing/2014/main" id="{635C47BF-19DD-7A68-913E-EF8F14DBA234}"/>
               </a:ext>
             </a:extLst>
           </p:cNvPr>
@@ -9040,20 +8977,17 @@
               <a:buChar char="•"/>
             </a:pPr>
             <a:r>
-              <a:rPr lang="en-US" altLang="ko-KR" sz="3200" dirty="0" smtClean="0">
+              <a:rPr lang="en-US" altLang="ko-KR" sz="3200" dirty="0">
                 <a:latin typeface="+mj-ea"/>
               </a:rPr>
               <a:t>Index.html </a:t>
             </a:r>
             <a:r>
-              <a:rPr lang="ko-KR" altLang="en-US" sz="3200" dirty="0" smtClean="0">
+              <a:rPr lang="ko-KR" altLang="en-US" sz="3200" dirty="0">
                 <a:latin typeface="+mj-ea"/>
               </a:rPr>
               <a:t>실행 화면</a:t>
             </a:r>
-            <a:endParaRPr lang="ko-KR" altLang="en-US" sz="3200" dirty="0">
-              <a:latin typeface="+mj-ea"/>
-            </a:endParaRPr>
           </a:p>
         </p:txBody>
       </p:sp>
@@ -9168,26 +9102,26 @@
               <a:buChar char="•"/>
             </a:pPr>
             <a:r>
-              <a:rPr lang="ko-KR" altLang="en-US" dirty="0" smtClean="0"/>
+              <a:rPr lang="ko-KR" altLang="en-US" dirty="0"/>
               <a:t>왼쪽이 </a:t>
             </a:r>
             <a:r>
-              <a:rPr lang="ko-KR" altLang="en-US" dirty="0" err="1" smtClean="0"/>
+              <a:rPr lang="ko-KR" altLang="en-US" dirty="0" err="1"/>
               <a:t>첫번</a:t>
             </a:r>
             <a:r>
-              <a:rPr lang="ko-KR" altLang="en-US" dirty="0" smtClean="0"/>
+              <a:rPr lang="ko-KR" altLang="en-US" dirty="0"/>
               <a:t> 째 </a:t>
             </a:r>
             <a:r>
-              <a:rPr lang="en-US" altLang="ko-KR" dirty="0" smtClean="0"/>
+              <a:rPr lang="en-US" altLang="ko-KR" dirty="0"/>
               <a:t>iframe </a:t>
             </a:r>
             <a:r>
-              <a:rPr lang="ko-KR" altLang="en-US" dirty="0" smtClean="0"/>
+              <a:rPr lang="ko-KR" altLang="en-US" dirty="0"/>
               <a:t>화면</a:t>
             </a:r>
-            <a:endParaRPr lang="en-US" altLang="ko-KR" dirty="0" smtClean="0"/>
+            <a:endParaRPr lang="en-US" altLang="ko-KR" dirty="0"/>
           </a:p>
           <a:p>
             <a:pPr marL="285750" indent="-285750">
@@ -9202,26 +9136,25 @@
               <a:buChar char="•"/>
             </a:pPr>
             <a:r>
-              <a:rPr lang="ko-KR" altLang="en-US" dirty="0" smtClean="0"/>
+              <a:rPr lang="ko-KR" altLang="en-US" dirty="0"/>
               <a:t>오른쪽이 </a:t>
             </a:r>
             <a:r>
-              <a:rPr lang="ko-KR" altLang="en-US" dirty="0" err="1" smtClean="0"/>
+              <a:rPr lang="ko-KR" altLang="en-US" dirty="0" err="1"/>
               <a:t>두번</a:t>
             </a:r>
             <a:r>
-              <a:rPr lang="ko-KR" altLang="en-US" dirty="0" smtClean="0"/>
+              <a:rPr lang="ko-KR" altLang="en-US" dirty="0"/>
               <a:t> 째 </a:t>
             </a:r>
             <a:r>
-              <a:rPr lang="en-US" altLang="ko-KR" dirty="0" smtClean="0"/>
+              <a:rPr lang="en-US" altLang="ko-KR" dirty="0"/>
               <a:t>iframe </a:t>
             </a:r>
             <a:r>
-              <a:rPr lang="ko-KR" altLang="en-US" dirty="0" smtClean="0"/>
+              <a:rPr lang="ko-KR" altLang="en-US" dirty="0"/>
               <a:t>화면</a:t>
             </a:r>
-            <a:endParaRPr lang="ko-KR" altLang="en-US" dirty="0"/>
           </a:p>
         </p:txBody>
       </p:sp>
@@ -9284,7 +9217,7 @@
           <p:cNvPr id="3" name="제목 1">
             <a:extLst>
               <a:ext uri="{FF2B5EF4-FFF2-40B4-BE49-F238E27FC236}">
-                <a16:creationId xmlns="" xmlns:a16="http://schemas.microsoft.com/office/drawing/2014/main" id="{635C47BF-19DD-7A68-913E-EF8F14DBA234}"/>
+                <a16:creationId xmlns:a16="http://schemas.microsoft.com/office/drawing/2014/main" id="{635C47BF-19DD-7A68-913E-EF8F14DBA234}"/>
               </a:ext>
             </a:extLst>
           </p:cNvPr>
@@ -9331,7 +9264,7 @@
               <a:buChar char="•"/>
             </a:pPr>
             <a:r>
-              <a:rPr lang="en-US" altLang="ko-KR" sz="3200" dirty="0" err="1" smtClean="0">
+              <a:rPr lang="en-US" altLang="ko-KR" sz="3200" dirty="0" err="1">
                 <a:latin typeface="+mj-ea"/>
               </a:rPr>
               <a:t>Intro.jsp</a:t>
@@ -9372,24 +9305,24 @@
               <a:buChar char="•"/>
             </a:pPr>
             <a:r>
-              <a:rPr lang="ko-KR" altLang="en-US" sz="2000" dirty="0" smtClean="0">
+              <a:rPr lang="ko-KR" altLang="en-US" sz="2000" dirty="0">
                 <a:latin typeface="+mn-ea"/>
               </a:rPr>
               <a:t>방문자 수를 </a:t>
             </a:r>
             <a:r>
-              <a:rPr lang="en-US" altLang="ko-KR" sz="2000" dirty="0" smtClean="0">
+              <a:rPr lang="en-US" altLang="ko-KR" sz="2000" dirty="0">
                 <a:latin typeface="+mn-ea"/>
               </a:rPr>
               <a:t>count</a:t>
             </a:r>
             <a:r>
-              <a:rPr lang="ko-KR" altLang="en-US" sz="2000" dirty="0" smtClean="0">
+              <a:rPr lang="ko-KR" altLang="en-US" sz="2000" dirty="0">
                 <a:latin typeface="+mn-ea"/>
               </a:rPr>
               <a:t>하기 위한 첫 화면</a:t>
             </a:r>
-            <a:endParaRPr lang="en-US" altLang="ko-KR" sz="2000" dirty="0" smtClean="0">
+            <a:endParaRPr lang="en-US" altLang="ko-KR" sz="2000" dirty="0">
               <a:latin typeface="+mn-ea"/>
             </a:endParaRPr>
           </a:p>
@@ -9414,44 +9347,41 @@
               <a:buChar char="•"/>
             </a:pPr>
             <a:r>
-              <a:rPr lang="ko-KR" altLang="en-US" sz="2000" dirty="0" smtClean="0">
+              <a:rPr lang="ko-KR" altLang="en-US" sz="2000" dirty="0">
                 <a:latin typeface="+mn-ea"/>
               </a:rPr>
               <a:t>메인 화면에 </a:t>
             </a:r>
             <a:r>
-              <a:rPr lang="ko-KR" altLang="en-US" sz="2000" dirty="0" err="1" smtClean="0">
+              <a:rPr lang="ko-KR" altLang="en-US" sz="2000" dirty="0" err="1">
                 <a:latin typeface="+mn-ea"/>
               </a:rPr>
               <a:t>접속시</a:t>
             </a:r>
             <a:r>
-              <a:rPr lang="ko-KR" altLang="en-US" sz="2000" dirty="0" smtClean="0">
+              <a:rPr lang="ko-KR" altLang="en-US" sz="2000" dirty="0">
                 <a:latin typeface="+mn-ea"/>
               </a:rPr>
               <a:t> 방문자의 수를 </a:t>
             </a:r>
             <a:r>
-              <a:rPr lang="en-US" altLang="ko-KR" sz="2000" dirty="0" smtClean="0">
+              <a:rPr lang="en-US" altLang="ko-KR" sz="2000" dirty="0">
                 <a:latin typeface="+mn-ea"/>
               </a:rPr>
               <a:t>count </a:t>
             </a:r>
             <a:r>
-              <a:rPr lang="ko-KR" altLang="en-US" sz="2000" dirty="0" smtClean="0">
+              <a:rPr lang="ko-KR" altLang="en-US" sz="2000" dirty="0">
                 <a:latin typeface="+mn-ea"/>
               </a:rPr>
               <a:t>추가 한다</a:t>
             </a:r>
             <a:r>
-              <a:rPr lang="en-US" altLang="ko-KR" sz="2000" dirty="0" smtClean="0">
+              <a:rPr lang="en-US" altLang="ko-KR" sz="2000" dirty="0">
                 <a:latin typeface="+mn-ea"/>
               </a:rPr>
               <a:t>.</a:t>
             </a:r>
-            <a:endParaRPr lang="en-US" altLang="ko-KR" sz="2000" dirty="0">
-              <a:latin typeface="+mn-ea"/>
-            </a:endParaRPr>
           </a:p>
         </p:txBody>
       </p:sp>
@@ -9490,7 +9420,7 @@
           <p:cNvPr id="2" name="제목 1">
             <a:extLst>
               <a:ext uri="{FF2B5EF4-FFF2-40B4-BE49-F238E27FC236}">
-                <a16:creationId xmlns="" xmlns:a16="http://schemas.microsoft.com/office/drawing/2014/main" id="{635C47BF-19DD-7A68-913E-EF8F14DBA234}"/>
+                <a16:creationId xmlns:a16="http://schemas.microsoft.com/office/drawing/2014/main" id="{635C47BF-19DD-7A68-913E-EF8F14DBA234}"/>
               </a:ext>
             </a:extLst>
           </p:cNvPr>
@@ -9537,26 +9467,23 @@
               <a:buChar char="•"/>
             </a:pPr>
             <a:r>
-              <a:rPr lang="en-US" altLang="ko-KR" sz="3200" dirty="0" err="1" smtClean="0">
+              <a:rPr lang="en-US" altLang="ko-KR" sz="3200" dirty="0" err="1">
                 <a:latin typeface="+mj-ea"/>
               </a:rPr>
               <a:t>Intro.jsp</a:t>
             </a:r>
             <a:r>
-              <a:rPr lang="en-US" altLang="ko-KR" sz="3200" dirty="0" smtClean="0">
+              <a:rPr lang="en-US" altLang="ko-KR" sz="3200" dirty="0">
                 <a:latin typeface="+mj-ea"/>
               </a:rPr>
               <a:t> </a:t>
             </a:r>
             <a:r>
-              <a:rPr lang="ko-KR" altLang="en-US" sz="3200" dirty="0" smtClean="0">
+              <a:rPr lang="ko-KR" altLang="en-US" sz="3200" dirty="0">
                 <a:latin typeface="+mj-ea"/>
               </a:rPr>
               <a:t>실행 화면</a:t>
             </a:r>
-            <a:endParaRPr lang="ko-KR" altLang="en-US" sz="3200" dirty="0">
-              <a:latin typeface="+mj-ea"/>
-            </a:endParaRPr>
           </a:p>
         </p:txBody>
       </p:sp>
@@ -9702,7 +9629,7 @@
           <a:p>
             <a:pPr algn="ctr"/>
             <a:r>
-              <a:rPr lang="ko-KR" altLang="en-US" sz="5400" dirty="0" smtClean="0">
+              <a:rPr lang="ko-KR" altLang="en-US" sz="5400" dirty="0">
                 <a:solidFill>
                   <a:schemeClr val="accent1"/>
                 </a:solidFill>
@@ -9717,7 +9644,7 @@
               <a:t>투표 </a:t>
             </a:r>
             <a:r>
-              <a:rPr lang="en-US" altLang="ko-KR" sz="5400" dirty="0" smtClean="0">
+              <a:rPr lang="en-US" altLang="ko-KR" sz="5400" dirty="0">
                 <a:solidFill>
                   <a:schemeClr val="accent1"/>
                 </a:solidFill>
@@ -9732,7 +9659,7 @@
               <a:t>DB</a:t>
             </a:r>
             <a:r>
-              <a:rPr lang="ko-KR" altLang="en-US" sz="5400" dirty="0" smtClean="0">
+              <a:rPr lang="ko-KR" altLang="en-US" sz="5400" dirty="0">
                 <a:solidFill>
                   <a:schemeClr val="accent1"/>
                 </a:solidFill>
@@ -9747,7 +9674,7 @@
               <a:t>페이지</a:t>
             </a:r>
             <a:r>
-              <a:rPr lang="en-US" altLang="ko-KR" sz="5400" dirty="0" smtClean="0">
+              <a:rPr lang="en-US" altLang="ko-KR" sz="5400" dirty="0">
                 <a:solidFill>
                   <a:schemeClr val="accent1"/>
                 </a:solidFill>
@@ -9762,7 +9689,7 @@
               <a:t> </a:t>
             </a:r>
             <a:r>
-              <a:rPr lang="ko-KR" altLang="en-US" sz="5400" dirty="0" smtClean="0">
+              <a:rPr lang="ko-KR" altLang="en-US" sz="5400" dirty="0">
                 <a:solidFill>
                   <a:schemeClr val="accent1"/>
                 </a:solidFill>
@@ -9777,7 +9704,7 @@
               <a:t>만들기</a:t>
             </a:r>
             <a:r>
-              <a:rPr lang="en-US" altLang="ko-KR" sz="5400" dirty="0" smtClean="0">
+              <a:rPr lang="en-US" altLang="ko-KR" sz="5400" dirty="0">
                 <a:solidFill>
                   <a:schemeClr val="accent1"/>
                 </a:solidFill>
@@ -9816,13 +9743,6 @@
   <p:clrMapOvr>
     <a:masterClrMapping/>
   </p:clrMapOvr>
-  <p:timing>
-    <p:tnLst>
-      <p:par>
-        <p:cTn id="1" dur="indefinite" restart="never" nodeType="tmRoot"/>
-      </p:par>
-    </p:tnLst>
-  </p:timing>
 </p:sld>
 </file>
 
@@ -9848,7 +9768,7 @@
           <p:cNvPr id="2" name="제목 1">
             <a:extLst>
               <a:ext uri="{FF2B5EF4-FFF2-40B4-BE49-F238E27FC236}">
-                <a16:creationId xmlns="" xmlns:a16="http://schemas.microsoft.com/office/drawing/2014/main" id="{635C47BF-19DD-7A68-913E-EF8F14DBA234}"/>
+                <a16:creationId xmlns:a16="http://schemas.microsoft.com/office/drawing/2014/main" id="{635C47BF-19DD-7A68-913E-EF8F14DBA234}"/>
               </a:ext>
             </a:extLst>
           </p:cNvPr>
@@ -9895,7 +9815,7 @@
               <a:buChar char="•"/>
             </a:pPr>
             <a:r>
-              <a:rPr lang="en-US" altLang="ko-KR" sz="3200" dirty="0" smtClean="0">
+              <a:rPr lang="en-US" altLang="ko-KR" sz="3200" dirty="0">
                 <a:latin typeface="+mj-ea"/>
               </a:rPr>
               <a:t>A_01_H.jsp</a:t>
@@ -9960,66 +9880,66 @@
               <a:buChar char="•"/>
             </a:pPr>
             <a:r>
-              <a:rPr lang="ko-KR" altLang="en-US" sz="2000" dirty="0" smtClean="0">
+              <a:rPr lang="ko-KR" altLang="en-US" sz="2000" dirty="0">
                 <a:latin typeface="+mn-ea"/>
               </a:rPr>
               <a:t>첫 후보 등록을 하기 위한 </a:t>
             </a:r>
             <a:r>
-              <a:rPr lang="en-US" altLang="ko-KR" sz="2000" dirty="0" err="1" smtClean="0">
+              <a:rPr lang="en-US" altLang="ko-KR" sz="2000" dirty="0" err="1">
                 <a:latin typeface="+mn-ea"/>
               </a:rPr>
               <a:t>HuboDB</a:t>
             </a:r>
             <a:r>
-              <a:rPr lang="en-US" altLang="ko-KR" sz="2000" dirty="0" smtClean="0">
+              <a:rPr lang="en-US" altLang="ko-KR" sz="2000" dirty="0">
                 <a:latin typeface="+mn-ea"/>
               </a:rPr>
               <a:t>, </a:t>
             </a:r>
             <a:r>
-              <a:rPr lang="en-US" altLang="ko-KR" sz="2000" dirty="0" err="1" smtClean="0">
+              <a:rPr lang="en-US" altLang="ko-KR" sz="2000" dirty="0" err="1">
                 <a:latin typeface="+mn-ea"/>
               </a:rPr>
               <a:t>TupyoDB</a:t>
             </a:r>
             <a:r>
-              <a:rPr lang="en-US" altLang="ko-KR" sz="2000" dirty="0" smtClean="0">
+              <a:rPr lang="en-US" altLang="ko-KR" sz="2000" dirty="0">
                 <a:latin typeface="+mn-ea"/>
               </a:rPr>
               <a:t> </a:t>
             </a:r>
             <a:r>
-              <a:rPr lang="ko-KR" altLang="en-US" sz="2000" dirty="0" smtClean="0">
+              <a:rPr lang="ko-KR" altLang="en-US" sz="2000" dirty="0">
                 <a:latin typeface="+mn-ea"/>
               </a:rPr>
               <a:t>테이블 생성과 추가</a:t>
             </a:r>
             <a:r>
-              <a:rPr lang="en-US" altLang="ko-KR" sz="2000" dirty="0" smtClean="0">
+              <a:rPr lang="en-US" altLang="ko-KR" sz="2000" dirty="0">
                 <a:latin typeface="+mn-ea"/>
               </a:rPr>
               <a:t>. </a:t>
             </a:r>
             <a:r>
-              <a:rPr lang="ko-KR" altLang="en-US" sz="2000" dirty="0" smtClean="0">
+              <a:rPr lang="ko-KR" altLang="en-US" sz="2000" dirty="0">
                 <a:latin typeface="+mn-ea"/>
               </a:rPr>
               <a:t>삭제</a:t>
             </a:r>
             <a:r>
-              <a:rPr lang="en-US" altLang="ko-KR" sz="2000" dirty="0" smtClean="0">
+              <a:rPr lang="en-US" altLang="ko-KR" sz="2000" dirty="0">
                 <a:latin typeface="+mn-ea"/>
               </a:rPr>
               <a:t>.</a:t>
             </a:r>
             <a:r>
-              <a:rPr lang="ko-KR" altLang="en-US" sz="2000" dirty="0" smtClean="0">
+              <a:rPr lang="ko-KR" altLang="en-US" sz="2000" dirty="0">
                 <a:latin typeface="+mn-ea"/>
               </a:rPr>
               <a:t> 전체 조회 기능 구현</a:t>
             </a:r>
-            <a:endParaRPr lang="en-US" altLang="ko-KR" sz="2000" dirty="0" smtClean="0">
+            <a:endParaRPr lang="en-US" altLang="ko-KR" sz="2000" dirty="0">
               <a:latin typeface="+mn-ea"/>
             </a:endParaRPr>
           </a:p>
@@ -10044,7 +9964,7 @@
               <a:buChar char="•"/>
             </a:pPr>
             <a:r>
-              <a:rPr lang="ko-KR" altLang="en-US" sz="2000" dirty="0" smtClean="0">
+              <a:rPr lang="ko-KR" altLang="en-US" sz="2000" dirty="0">
                 <a:latin typeface="+mn-ea"/>
               </a:rPr>
               <a:t>기호는 자동으로 생성</a:t>
@@ -10089,13 +10009,6 @@
   <p:clrMapOvr>
     <a:masterClrMapping/>
   </p:clrMapOvr>
-  <p:timing>
-    <p:tnLst>
-      <p:par>
-        <p:cTn id="1" dur="indefinite" restart="never" nodeType="tmRoot"/>
-      </p:par>
-    </p:tnLst>
-  </p:timing>
 </p:sld>
 </file>
 
@@ -10194,31 +10107,31 @@
               <a:buChar char="•"/>
             </a:pPr>
             <a:r>
-              <a:rPr lang="ko-KR" altLang="en-US" sz="2000" dirty="0" smtClean="0">
+              <a:rPr lang="ko-KR" altLang="en-US" sz="2000" dirty="0">
                 <a:latin typeface="+mn-ea"/>
               </a:rPr>
               <a:t>후보 추가</a:t>
             </a:r>
             <a:r>
-              <a:rPr lang="en-US" altLang="ko-KR" sz="2000" dirty="0" smtClean="0">
+              <a:rPr lang="en-US" altLang="ko-KR" sz="2000" dirty="0">
                 <a:latin typeface="+mn-ea"/>
               </a:rPr>
               <a:t>. </a:t>
             </a:r>
             <a:r>
-              <a:rPr lang="ko-KR" altLang="en-US" sz="2000" dirty="0" smtClean="0">
+              <a:rPr lang="ko-KR" altLang="en-US" sz="2000" dirty="0">
                 <a:latin typeface="+mn-ea"/>
               </a:rPr>
               <a:t>삭제</a:t>
             </a:r>
             <a:r>
-              <a:rPr lang="en-US" altLang="ko-KR" sz="2000" dirty="0" smtClean="0">
+              <a:rPr lang="en-US" altLang="ko-KR" sz="2000" dirty="0">
                 <a:latin typeface="+mn-ea"/>
               </a:rPr>
               <a:t>,</a:t>
             </a:r>
             <a:r>
-              <a:rPr lang="ko-KR" altLang="en-US" sz="2000" dirty="0" smtClean="0">
+              <a:rPr lang="ko-KR" altLang="en-US" sz="2000" dirty="0">
                 <a:latin typeface="+mn-ea"/>
               </a:rPr>
               <a:t>조회 기능 구현</a:t>
@@ -10288,7 +10201,7 @@
           <p:cNvPr id="3" name="제목 1">
             <a:extLst>
               <a:ext uri="{FF2B5EF4-FFF2-40B4-BE49-F238E27FC236}">
-                <a16:creationId xmlns="" xmlns:a16="http://schemas.microsoft.com/office/drawing/2014/main" id="{635C47BF-19DD-7A68-913E-EF8F14DBA234}"/>
+                <a16:creationId xmlns:a16="http://schemas.microsoft.com/office/drawing/2014/main" id="{635C47BF-19DD-7A68-913E-EF8F14DBA234}"/>
               </a:ext>
             </a:extLst>
           </p:cNvPr>
@@ -10335,20 +10248,17 @@
               <a:buChar char="•"/>
             </a:pPr>
             <a:r>
-              <a:rPr lang="en-US" altLang="ko-KR" sz="3200" dirty="0" smtClean="0">
+              <a:rPr lang="en-US" altLang="ko-KR" sz="3200" dirty="0">
                 <a:latin typeface="+mj-ea"/>
               </a:rPr>
               <a:t>A_01_H.jsp </a:t>
             </a:r>
             <a:r>
-              <a:rPr lang="ko-KR" altLang="en-US" sz="3200" dirty="0" smtClean="0">
+              <a:rPr lang="ko-KR" altLang="en-US" sz="3200" dirty="0">
                 <a:latin typeface="+mj-ea"/>
               </a:rPr>
               <a:t>실행 화면</a:t>
             </a:r>
-            <a:endParaRPr lang="ko-KR" altLang="en-US" sz="3200" dirty="0">
-              <a:latin typeface="+mj-ea"/>
-            </a:endParaRPr>
           </a:p>
         </p:txBody>
       </p:sp>
@@ -10382,13 +10292,13 @@
               <a:buChar char="•"/>
             </a:pPr>
             <a:r>
-              <a:rPr lang="ko-KR" altLang="en-US" sz="2000" dirty="0" smtClean="0">
+              <a:rPr lang="ko-KR" altLang="en-US" sz="2000" dirty="0">
                 <a:latin typeface="+mn-ea"/>
               </a:rPr>
               <a:t>지금 까지 입력된 후보들의 명단과 추가할 후보를 입력할 칸을 제공한다</a:t>
             </a:r>
             <a:r>
-              <a:rPr lang="en-US" altLang="ko-KR" sz="2000" dirty="0" smtClean="0">
+              <a:rPr lang="en-US" altLang="ko-KR" sz="2000" dirty="0">
                 <a:latin typeface="+mn-ea"/>
               </a:rPr>
               <a:t>.</a:t>
@@ -10415,12 +10325,12 @@
               <a:buChar char="•"/>
             </a:pPr>
             <a:r>
-              <a:rPr lang="ko-KR" altLang="en-US" sz="2000" dirty="0" smtClean="0">
+              <a:rPr lang="ko-KR" altLang="en-US" sz="2000" dirty="0">
                 <a:latin typeface="+mn-ea"/>
               </a:rPr>
               <a:t>후보 조회 클릭 시 전체 테이블 조회</a:t>
             </a:r>
-            <a:endParaRPr lang="en-US" altLang="ko-KR" sz="2000" dirty="0" smtClean="0">
+            <a:endParaRPr lang="en-US" altLang="ko-KR" sz="2000" dirty="0">
               <a:latin typeface="+mn-ea"/>
             </a:endParaRPr>
           </a:p>
@@ -10445,24 +10355,24 @@
               <a:buChar char="•"/>
             </a:pPr>
             <a:r>
-              <a:rPr lang="ko-KR" altLang="en-US" sz="2000" dirty="0" smtClean="0">
+              <a:rPr lang="ko-KR" altLang="en-US" sz="2000" dirty="0">
                 <a:latin typeface="+mn-ea"/>
               </a:rPr>
               <a:t>삭제 클릭 시 </a:t>
             </a:r>
             <a:r>
-              <a:rPr lang="en-US" altLang="ko-KR" sz="2000" dirty="0" smtClean="0">
+              <a:rPr lang="en-US" altLang="ko-KR" sz="2000" dirty="0">
                 <a:latin typeface="+mn-ea"/>
               </a:rPr>
               <a:t>A_02_H.jsp</a:t>
             </a:r>
             <a:r>
-              <a:rPr lang="ko-KR" altLang="en-US" sz="2000" dirty="0" smtClean="0">
+              <a:rPr lang="ko-KR" altLang="en-US" sz="2000" dirty="0">
                 <a:latin typeface="+mn-ea"/>
               </a:rPr>
               <a:t>로 이동</a:t>
             </a:r>
-            <a:endParaRPr lang="en-US" altLang="ko-KR" sz="2000" dirty="0" smtClean="0">
+            <a:endParaRPr lang="en-US" altLang="ko-KR" sz="2000" dirty="0">
               <a:latin typeface="+mn-ea"/>
             </a:endParaRPr>
           </a:p>
@@ -10487,19 +10397,19 @@
               <a:buChar char="•"/>
             </a:pPr>
             <a:r>
-              <a:rPr lang="ko-KR" altLang="en-US" sz="2000" dirty="0" smtClean="0">
+              <a:rPr lang="ko-KR" altLang="en-US" sz="2000" dirty="0">
                 <a:latin typeface="+mn-ea"/>
               </a:rPr>
               <a:t>추가 클릭 시 </a:t>
             </a:r>
             <a:r>
-              <a:rPr lang="en-US" altLang="ko-KR" sz="2000" dirty="0" smtClean="0">
+              <a:rPr lang="en-US" altLang="ko-KR" sz="2000" dirty="0">
                 <a:latin typeface="+mn-ea"/>
               </a:rPr>
               <a:t>A_03_H.jsp</a:t>
             </a:r>
             <a:r>
-              <a:rPr lang="ko-KR" altLang="en-US" sz="2000" dirty="0" smtClean="0">
+              <a:rPr lang="ko-KR" altLang="en-US" sz="2000" dirty="0">
                 <a:latin typeface="+mn-ea"/>
               </a:rPr>
               <a:t>로 이동</a:t>
@@ -10520,13 +10430,6 @@
   <p:clrMapOvr>
     <a:masterClrMapping/>
   </p:clrMapOvr>
-  <p:timing>
-    <p:tnLst>
-      <p:par>
-        <p:cTn id="1" dur="indefinite" restart="never" nodeType="tmRoot"/>
-      </p:par>
-    </p:tnLst>
-  </p:timing>
 </p:sld>
 </file>
 
@@ -10552,7 +10455,7 @@
           <p:cNvPr id="2" name="제목 1">
             <a:extLst>
               <a:ext uri="{FF2B5EF4-FFF2-40B4-BE49-F238E27FC236}">
-                <a16:creationId xmlns="" xmlns:a16="http://schemas.microsoft.com/office/drawing/2014/main" id="{635C47BF-19DD-7A68-913E-EF8F14DBA234}"/>
+                <a16:creationId xmlns:a16="http://schemas.microsoft.com/office/drawing/2014/main" id="{635C47BF-19DD-7A68-913E-EF8F14DBA234}"/>
               </a:ext>
             </a:extLst>
           </p:cNvPr>
@@ -10599,7 +10502,7 @@
               <a:buChar char="•"/>
             </a:pPr>
             <a:r>
-              <a:rPr lang="en-US" altLang="ko-KR" sz="3200" dirty="0" smtClean="0">
+              <a:rPr lang="en-US" altLang="ko-KR" sz="3200" dirty="0">
                 <a:latin typeface="+mj-ea"/>
               </a:rPr>
               <a:t>A_02_H.jsp</a:t>
@@ -10664,12 +10567,12 @@
               <a:buChar char="•"/>
             </a:pPr>
             <a:r>
-              <a:rPr lang="ko-KR" altLang="en-US" sz="2000" dirty="0" smtClean="0">
+              <a:rPr lang="ko-KR" altLang="en-US" sz="2000" dirty="0">
                 <a:latin typeface="+mn-ea"/>
               </a:rPr>
               <a:t>전달 받은 값을 통해 해당 값을 테이블에서 조회하고 존재하는 값인지 확인 후 삭제</a:t>
             </a:r>
-            <a:endParaRPr lang="en-US" altLang="ko-KR" sz="2000" dirty="0" smtClean="0">
+            <a:endParaRPr lang="en-US" altLang="ko-KR" sz="2000" dirty="0">
               <a:latin typeface="+mn-ea"/>
             </a:endParaRPr>
           </a:p>
@@ -10694,30 +10597,30 @@
               <a:buChar char="•"/>
             </a:pPr>
             <a:r>
-              <a:rPr lang="en-US" altLang="ko-KR" sz="2000" dirty="0" err="1" smtClean="0">
+              <a:rPr lang="en-US" altLang="ko-KR" sz="2000" dirty="0" err="1">
                 <a:latin typeface="+mn-ea"/>
               </a:rPr>
               <a:t>TupyoDB</a:t>
             </a:r>
             <a:r>
-              <a:rPr lang="ko-KR" altLang="en-US" sz="2000" dirty="0" smtClean="0">
+              <a:rPr lang="ko-KR" altLang="en-US" sz="2000" dirty="0">
                 <a:latin typeface="+mn-ea"/>
               </a:rPr>
               <a:t>와 </a:t>
             </a:r>
             <a:r>
-              <a:rPr lang="en-US" altLang="ko-KR" sz="2000" dirty="0" err="1" smtClean="0">
+              <a:rPr lang="en-US" altLang="ko-KR" sz="2000" dirty="0" err="1">
                 <a:latin typeface="+mn-ea"/>
               </a:rPr>
               <a:t>HuboDB</a:t>
             </a:r>
             <a:r>
-              <a:rPr lang="ko-KR" altLang="en-US" sz="2000" dirty="0" smtClean="0">
+              <a:rPr lang="ko-KR" altLang="en-US" sz="2000" dirty="0">
                 <a:latin typeface="+mn-ea"/>
               </a:rPr>
               <a:t>에서 해당 값을 삭제</a:t>
             </a:r>
-            <a:endParaRPr lang="en-US" altLang="ko-KR" sz="2000" dirty="0" smtClean="0">
+            <a:endParaRPr lang="en-US" altLang="ko-KR" sz="2000" dirty="0">
               <a:latin typeface="+mn-ea"/>
             </a:endParaRPr>
           </a:p>
@@ -10742,7 +10645,7 @@
               <a:buChar char="•"/>
             </a:pPr>
             <a:r>
-              <a:rPr lang="ko-KR" altLang="en-US" sz="2000" dirty="0" smtClean="0">
+              <a:rPr lang="ko-KR" altLang="en-US" sz="2000" dirty="0">
                 <a:latin typeface="+mn-ea"/>
               </a:rPr>
               <a:t>이후 후보의 삭제 결과 프린트  </a:t>
@@ -10763,13 +10666,6 @@
   <p:clrMapOvr>
     <a:masterClrMapping/>
   </p:clrMapOvr>
-  <p:timing>
-    <p:tnLst>
-      <p:par>
-        <p:cTn id="1" dur="indefinite" restart="never" nodeType="tmRoot"/>
-      </p:par>
-    </p:tnLst>
-  </p:timing>
 </p:sld>
 </file>
 
@@ -10819,7 +10715,7 @@
           <p:cNvPr id="3" name="제목 1">
             <a:extLst>
               <a:ext uri="{FF2B5EF4-FFF2-40B4-BE49-F238E27FC236}">
-                <a16:creationId xmlns="" xmlns:a16="http://schemas.microsoft.com/office/drawing/2014/main" id="{635C47BF-19DD-7A68-913E-EF8F14DBA234}"/>
+                <a16:creationId xmlns:a16="http://schemas.microsoft.com/office/drawing/2014/main" id="{635C47BF-19DD-7A68-913E-EF8F14DBA234}"/>
               </a:ext>
             </a:extLst>
           </p:cNvPr>
@@ -10866,20 +10762,17 @@
               <a:buChar char="•"/>
             </a:pPr>
             <a:r>
-              <a:rPr lang="en-US" altLang="ko-KR" sz="3200" dirty="0" smtClean="0">
+              <a:rPr lang="en-US" altLang="ko-KR" sz="3200" dirty="0">
                 <a:latin typeface="+mj-ea"/>
               </a:rPr>
               <a:t>A_02_H.jsp </a:t>
             </a:r>
             <a:r>
-              <a:rPr lang="ko-KR" altLang="en-US" sz="3200" dirty="0" smtClean="0">
+              <a:rPr lang="ko-KR" altLang="en-US" sz="3200" dirty="0">
                 <a:latin typeface="+mj-ea"/>
               </a:rPr>
               <a:t>실행 화면</a:t>
             </a:r>
-            <a:endParaRPr lang="ko-KR" altLang="en-US" sz="3200" dirty="0">
-              <a:latin typeface="+mj-ea"/>
-            </a:endParaRPr>
           </a:p>
         </p:txBody>
       </p:sp>
@@ -10913,13 +10806,13 @@
               <a:buChar char="•"/>
             </a:pPr>
             <a:r>
-              <a:rPr lang="ko-KR" altLang="en-US" sz="2000" dirty="0" smtClean="0">
+              <a:rPr lang="ko-KR" altLang="en-US" sz="2000" dirty="0">
                 <a:latin typeface="+mn-ea"/>
               </a:rPr>
               <a:t>삭제된 후보의 정보를 보여준다</a:t>
             </a:r>
             <a:r>
-              <a:rPr lang="en-US" altLang="ko-KR" sz="2000" dirty="0" smtClean="0">
+              <a:rPr lang="en-US" altLang="ko-KR" sz="2000" dirty="0">
                 <a:latin typeface="+mn-ea"/>
               </a:rPr>
               <a:t>.</a:t>
@@ -10946,31 +10839,31 @@
               <a:buChar char="•"/>
             </a:pPr>
             <a:r>
-              <a:rPr lang="ko-KR" altLang="en-US" sz="2000" dirty="0" smtClean="0">
+              <a:rPr lang="ko-KR" altLang="en-US" sz="2000" dirty="0">
                 <a:latin typeface="+mn-ea"/>
               </a:rPr>
               <a:t>뒤로 가기 클릭 시 </a:t>
             </a:r>
             <a:r>
-              <a:rPr lang="en-US" altLang="ko-KR" sz="2000" dirty="0" smtClean="0">
+              <a:rPr lang="en-US" altLang="ko-KR" sz="2000" dirty="0">
                 <a:latin typeface="+mn-ea"/>
               </a:rPr>
               <a:t>A_01_H.jsp</a:t>
             </a:r>
             <a:r>
-              <a:rPr lang="ko-KR" altLang="en-US" sz="2000" dirty="0" smtClean="0">
+              <a:rPr lang="ko-KR" altLang="en-US" sz="2000" dirty="0">
                 <a:latin typeface="+mn-ea"/>
               </a:rPr>
               <a:t>로</a:t>
             </a:r>
             <a:r>
-              <a:rPr lang="en-US" altLang="ko-KR" sz="2000" dirty="0" smtClean="0">
+              <a:rPr lang="en-US" altLang="ko-KR" sz="2000" dirty="0">
                 <a:latin typeface="+mn-ea"/>
               </a:rPr>
               <a:t> </a:t>
             </a:r>
             <a:r>
-              <a:rPr lang="ko-KR" altLang="en-US" sz="2000" dirty="0" smtClean="0">
+              <a:rPr lang="ko-KR" altLang="en-US" sz="2000" dirty="0">
                 <a:latin typeface="+mn-ea"/>
               </a:rPr>
               <a:t>이동</a:t>
@@ -11122,7 +11015,7 @@
           <p:cNvPr id="2" name="제목 1">
             <a:extLst>
               <a:ext uri="{FF2B5EF4-FFF2-40B4-BE49-F238E27FC236}">
-                <a16:creationId xmlns="" xmlns:a16="http://schemas.microsoft.com/office/drawing/2014/main" id="{635C47BF-19DD-7A68-913E-EF8F14DBA234}"/>
+                <a16:creationId xmlns:a16="http://schemas.microsoft.com/office/drawing/2014/main" id="{635C47BF-19DD-7A68-913E-EF8F14DBA234}"/>
               </a:ext>
             </a:extLst>
           </p:cNvPr>
@@ -11169,7 +11062,7 @@
               <a:buChar char="•"/>
             </a:pPr>
             <a:r>
-              <a:rPr lang="en-US" altLang="ko-KR" sz="3200" dirty="0" smtClean="0">
+              <a:rPr lang="en-US" altLang="ko-KR" sz="3200" dirty="0">
                 <a:latin typeface="+mj-ea"/>
               </a:rPr>
               <a:t>A_03_H.jsp </a:t>
@@ -11258,12 +11151,12 @@
               <a:buChar char="•"/>
             </a:pPr>
             <a:r>
-              <a:rPr lang="ko-KR" altLang="en-US" sz="2000" dirty="0" smtClean="0">
+              <a:rPr lang="ko-KR" altLang="en-US" sz="2000" dirty="0">
                 <a:latin typeface="+mn-ea"/>
               </a:rPr>
               <a:t>후보 추가 선택 이후 이동하는 화면</a:t>
             </a:r>
-            <a:endParaRPr lang="en-US" altLang="ko-KR" sz="2000" dirty="0" smtClean="0">
+            <a:endParaRPr lang="en-US" altLang="ko-KR" sz="2000" dirty="0">
               <a:latin typeface="+mn-ea"/>
             </a:endParaRPr>
           </a:p>
@@ -11275,7 +11168,7 @@
               <a:buFont typeface="Arial" panose="020B0604020202020204" pitchFamily="34" charset="0"/>
               <a:buChar char="•"/>
             </a:pPr>
-            <a:endParaRPr lang="en-US" altLang="ko-KR" sz="2000" dirty="0" smtClean="0">
+            <a:endParaRPr lang="en-US" altLang="ko-KR" sz="2000" dirty="0">
               <a:latin typeface="+mn-ea"/>
             </a:endParaRPr>
           </a:p>
@@ -11288,25 +11181,25 @@
               <a:buChar char="•"/>
             </a:pPr>
             <a:r>
-              <a:rPr lang="ko-KR" altLang="en-US" sz="2000" dirty="0" smtClean="0">
+              <a:rPr lang="ko-KR" altLang="en-US" sz="2000" dirty="0">
                 <a:latin typeface="+mn-ea"/>
               </a:rPr>
               <a:t>전달받은 값을 통해 각 </a:t>
             </a:r>
             <a:r>
-              <a:rPr lang="ko-KR" altLang="en-US" sz="2000" dirty="0" err="1" smtClean="0">
+              <a:rPr lang="ko-KR" altLang="en-US" sz="2000" dirty="0" err="1">
                 <a:latin typeface="+mn-ea"/>
               </a:rPr>
               <a:t>컬럼에</a:t>
             </a:r>
             <a:r>
-              <a:rPr lang="ko-KR" altLang="en-US" sz="2000" dirty="0" smtClean="0">
+              <a:rPr lang="ko-KR" altLang="en-US" sz="2000" dirty="0">
                 <a:latin typeface="+mn-ea"/>
               </a:rPr>
               <a:t> 값이 저장 된다</a:t>
             </a:r>
             <a:r>
-              <a:rPr lang="en-US" altLang="ko-KR" sz="2000" dirty="0" smtClean="0">
+              <a:rPr lang="en-US" altLang="ko-KR" sz="2000" dirty="0">
                 <a:latin typeface="+mn-ea"/>
               </a:rPr>
               <a:t>.</a:t>
@@ -11320,7 +11213,7 @@
               <a:buFont typeface="Arial" panose="020B0604020202020204" pitchFamily="34" charset="0"/>
               <a:buChar char="•"/>
             </a:pPr>
-            <a:endParaRPr lang="en-US" altLang="ko-KR" sz="2000" dirty="0" smtClean="0">
+            <a:endParaRPr lang="en-US" altLang="ko-KR" sz="2000" dirty="0">
               <a:latin typeface="+mn-ea"/>
             </a:endParaRPr>
           </a:p>
@@ -11333,25 +11226,25 @@
               <a:buChar char="•"/>
             </a:pPr>
             <a:r>
-              <a:rPr lang="en-US" altLang="ko-KR" sz="2000" dirty="0" err="1" smtClean="0">
+              <a:rPr lang="en-US" altLang="ko-KR" sz="2000" dirty="0" err="1">
                 <a:latin typeface="+mn-ea"/>
               </a:rPr>
               <a:t>HuboDB</a:t>
             </a:r>
             <a:r>
-              <a:rPr lang="en-US" altLang="ko-KR" sz="2000" dirty="0" smtClean="0">
+              <a:rPr lang="en-US" altLang="ko-KR" sz="2000" dirty="0">
                 <a:latin typeface="+mn-ea"/>
               </a:rPr>
               <a:t>, </a:t>
             </a:r>
             <a:r>
-              <a:rPr lang="en-US" altLang="ko-KR" sz="2000" dirty="0" err="1" smtClean="0">
+              <a:rPr lang="en-US" altLang="ko-KR" sz="2000" dirty="0" err="1">
                 <a:latin typeface="+mn-ea"/>
               </a:rPr>
               <a:t>TupyoDB</a:t>
             </a:r>
             <a:r>
-              <a:rPr lang="ko-KR" altLang="en-US" sz="2000" dirty="0" smtClean="0">
+              <a:rPr lang="ko-KR" altLang="en-US" sz="2000" dirty="0">
                 <a:latin typeface="+mn-ea"/>
               </a:rPr>
               <a:t>에 각각 값 추가</a:t>
@@ -11397,7 +11290,7 @@
           <p:cNvPr id="2" name="제목 1">
             <a:extLst>
               <a:ext uri="{FF2B5EF4-FFF2-40B4-BE49-F238E27FC236}">
-                <a16:creationId xmlns="" xmlns:a16="http://schemas.microsoft.com/office/drawing/2014/main" id="{635C47BF-19DD-7A68-913E-EF8F14DBA234}"/>
+                <a16:creationId xmlns:a16="http://schemas.microsoft.com/office/drawing/2014/main" id="{635C47BF-19DD-7A68-913E-EF8F14DBA234}"/>
               </a:ext>
             </a:extLst>
           </p:cNvPr>
@@ -11425,7 +11318,7 @@
               <a:buChar char="•"/>
             </a:pPr>
             <a:r>
-              <a:rPr lang="en-US" altLang="ko-KR" sz="3200" dirty="0" err="1" smtClean="0">
+              <a:rPr lang="en-US" altLang="ko-KR" sz="3200" dirty="0" err="1">
                 <a:latin typeface="+mj-ea"/>
               </a:rPr>
               <a:t>AllsetDB.jsp</a:t>
@@ -11490,49 +11383,49 @@
               <a:buChar char="•"/>
             </a:pPr>
             <a:r>
-              <a:rPr lang="ko-KR" altLang="en-US" sz="2000" dirty="0" smtClean="0">
+              <a:rPr lang="ko-KR" altLang="en-US" sz="2000" dirty="0">
                 <a:latin typeface="+mn-ea"/>
               </a:rPr>
               <a:t>리스트에 담긴 이름들을 순회하며 학번을 지정하였으며 국어</a:t>
             </a:r>
             <a:r>
-              <a:rPr lang="en-US" altLang="ko-KR" sz="2000" dirty="0" smtClean="0">
+              <a:rPr lang="en-US" altLang="ko-KR" sz="2000" dirty="0">
                 <a:latin typeface="+mn-ea"/>
               </a:rPr>
               <a:t>,</a:t>
             </a:r>
             <a:r>
-              <a:rPr lang="ko-KR" altLang="en-US" sz="2000" dirty="0" smtClean="0">
+              <a:rPr lang="ko-KR" altLang="en-US" sz="2000" dirty="0">
                 <a:latin typeface="+mn-ea"/>
               </a:rPr>
               <a:t>영어</a:t>
             </a:r>
             <a:r>
-              <a:rPr lang="en-US" altLang="ko-KR" sz="2000" dirty="0" smtClean="0">
+              <a:rPr lang="en-US" altLang="ko-KR" sz="2000" dirty="0">
                 <a:latin typeface="+mn-ea"/>
               </a:rPr>
               <a:t>,</a:t>
             </a:r>
             <a:r>
-              <a:rPr lang="ko-KR" altLang="en-US" sz="2000" dirty="0" smtClean="0">
+              <a:rPr lang="ko-KR" altLang="en-US" sz="2000" dirty="0">
                 <a:latin typeface="+mn-ea"/>
               </a:rPr>
               <a:t>수학의 </a:t>
             </a:r>
             <a:r>
-              <a:rPr lang="ko-KR" altLang="en-US" sz="2000" dirty="0" err="1" smtClean="0">
+              <a:rPr lang="ko-KR" altLang="en-US" sz="2000" dirty="0" err="1">
                 <a:latin typeface="+mn-ea"/>
               </a:rPr>
               <a:t>랜덤한</a:t>
             </a:r>
             <a:r>
-              <a:rPr lang="ko-KR" altLang="en-US" sz="2000" dirty="0" smtClean="0">
+              <a:rPr lang="ko-KR" altLang="en-US" sz="2000" dirty="0">
                 <a:latin typeface="+mn-ea"/>
               </a:rPr>
               <a:t> 값으로 대량의 데이터 입력 기능을 구현하였다</a:t>
             </a:r>
             <a:r>
-              <a:rPr lang="en-US" altLang="ko-KR" sz="2000" dirty="0" smtClean="0">
+              <a:rPr lang="en-US" altLang="ko-KR" sz="2000" dirty="0">
                 <a:latin typeface="+mn-ea"/>
               </a:rPr>
               <a:t>.</a:t>
@@ -11677,7 +11570,7 @@
           <p:cNvPr id="3" name="제목 1">
             <a:extLst>
               <a:ext uri="{FF2B5EF4-FFF2-40B4-BE49-F238E27FC236}">
-                <a16:creationId xmlns="" xmlns:a16="http://schemas.microsoft.com/office/drawing/2014/main" id="{635C47BF-19DD-7A68-913E-EF8F14DBA234}"/>
+                <a16:creationId xmlns:a16="http://schemas.microsoft.com/office/drawing/2014/main" id="{635C47BF-19DD-7A68-913E-EF8F14DBA234}"/>
               </a:ext>
             </a:extLst>
           </p:cNvPr>
@@ -11724,19 +11617,19 @@
               <a:buChar char="•"/>
             </a:pPr>
             <a:r>
-              <a:rPr lang="en-US" altLang="ko-KR" sz="3200" dirty="0" smtClean="0">
+              <a:rPr lang="en-US" altLang="ko-KR" sz="3200" dirty="0">
                 <a:latin typeface="+mj-ea"/>
               </a:rPr>
               <a:t>A_03_H.jsp </a:t>
             </a:r>
             <a:r>
-              <a:rPr lang="ko-KR" altLang="en-US" sz="3200" dirty="0" smtClean="0">
+              <a:rPr lang="ko-KR" altLang="en-US" sz="3200" dirty="0">
                 <a:latin typeface="+mj-ea"/>
               </a:rPr>
               <a:t>실행 화면</a:t>
             </a:r>
             <a:r>
-              <a:rPr lang="en-US" altLang="ko-KR" sz="3200" dirty="0" smtClean="0">
+              <a:rPr lang="en-US" altLang="ko-KR" sz="3200" dirty="0">
                 <a:latin typeface="+mj-ea"/>
               </a:rPr>
               <a:t> </a:t>
@@ -11883,13 +11776,13 @@
               <a:buChar char="•"/>
             </a:pPr>
             <a:r>
-              <a:rPr lang="ko-KR" altLang="en-US" sz="2000" dirty="0" smtClean="0">
+              <a:rPr lang="ko-KR" altLang="en-US" sz="2000" dirty="0">
                 <a:latin typeface="+mn-ea"/>
               </a:rPr>
               <a:t>추가된 후보의 정보를 보여준다</a:t>
             </a:r>
             <a:r>
-              <a:rPr lang="en-US" altLang="ko-KR" sz="2000" dirty="0" smtClean="0">
+              <a:rPr lang="en-US" altLang="ko-KR" sz="2000" dirty="0">
                 <a:latin typeface="+mn-ea"/>
               </a:rPr>
               <a:t>.</a:t>
@@ -11916,31 +11809,31 @@
               <a:buChar char="•"/>
             </a:pPr>
             <a:r>
-              <a:rPr lang="ko-KR" altLang="en-US" sz="2000" dirty="0" smtClean="0">
+              <a:rPr lang="ko-KR" altLang="en-US" sz="2000" dirty="0">
                 <a:latin typeface="+mn-ea"/>
               </a:rPr>
               <a:t>뒤로 가기 클릭 시 </a:t>
             </a:r>
             <a:r>
-              <a:rPr lang="en-US" altLang="ko-KR" sz="2000" dirty="0" smtClean="0">
+              <a:rPr lang="en-US" altLang="ko-KR" sz="2000" dirty="0">
                 <a:latin typeface="+mn-ea"/>
               </a:rPr>
               <a:t>A_01_H.jsp</a:t>
             </a:r>
             <a:r>
-              <a:rPr lang="ko-KR" altLang="en-US" sz="2000" dirty="0" smtClean="0">
+              <a:rPr lang="ko-KR" altLang="en-US" sz="2000" dirty="0">
                 <a:latin typeface="+mn-ea"/>
               </a:rPr>
               <a:t>로</a:t>
             </a:r>
             <a:r>
-              <a:rPr lang="en-US" altLang="ko-KR" sz="2000" dirty="0" smtClean="0">
+              <a:rPr lang="en-US" altLang="ko-KR" sz="2000" dirty="0">
                 <a:latin typeface="+mn-ea"/>
               </a:rPr>
               <a:t> </a:t>
             </a:r>
             <a:r>
-              <a:rPr lang="ko-KR" altLang="en-US" sz="2000" dirty="0" smtClean="0">
+              <a:rPr lang="ko-KR" altLang="en-US" sz="2000" dirty="0">
                 <a:latin typeface="+mn-ea"/>
               </a:rPr>
               <a:t>이동</a:t>
@@ -12010,7 +11903,7 @@
           <p:cNvPr id="3" name="제목 1">
             <a:extLst>
               <a:ext uri="{FF2B5EF4-FFF2-40B4-BE49-F238E27FC236}">
-                <a16:creationId xmlns="" xmlns:a16="http://schemas.microsoft.com/office/drawing/2014/main" id="{635C47BF-19DD-7A68-913E-EF8F14DBA234}"/>
+                <a16:creationId xmlns:a16="http://schemas.microsoft.com/office/drawing/2014/main" id="{635C47BF-19DD-7A68-913E-EF8F14DBA234}"/>
               </a:ext>
             </a:extLst>
           </p:cNvPr>
@@ -12057,7 +11950,7 @@
               <a:buChar char="•"/>
             </a:pPr>
             <a:r>
-              <a:rPr lang="en-US" altLang="ko-KR" sz="3200" dirty="0" smtClean="0">
+              <a:rPr lang="en-US" altLang="ko-KR" sz="3200" dirty="0">
                 <a:latin typeface="+mj-ea"/>
               </a:rPr>
               <a:t>B_01_H.jsp</a:t>
@@ -12098,24 +11991,24 @@
               <a:buChar char="•"/>
             </a:pPr>
             <a:r>
-              <a:rPr lang="ko-KR" altLang="en-US" sz="2000" dirty="0" smtClean="0">
+              <a:rPr lang="ko-KR" altLang="en-US" sz="2000" dirty="0">
                 <a:latin typeface="+mn-ea"/>
               </a:rPr>
               <a:t>지금까지 후보 등록된 정보를 통해 연령대별 투표를 </a:t>
             </a:r>
             <a:r>
-              <a:rPr lang="ko-KR" altLang="en-US" sz="2000" dirty="0" err="1" smtClean="0">
+              <a:rPr lang="ko-KR" altLang="en-US" sz="2000" dirty="0" err="1">
                 <a:latin typeface="+mn-ea"/>
               </a:rPr>
               <a:t>하기위한</a:t>
             </a:r>
             <a:r>
-              <a:rPr lang="ko-KR" altLang="en-US" sz="2000" dirty="0" smtClean="0">
+              <a:rPr lang="ko-KR" altLang="en-US" sz="2000" dirty="0">
                 <a:latin typeface="+mn-ea"/>
               </a:rPr>
               <a:t> 화면 구현</a:t>
             </a:r>
-            <a:endParaRPr lang="en-US" altLang="ko-KR" sz="2000" dirty="0" smtClean="0">
+            <a:endParaRPr lang="en-US" altLang="ko-KR" sz="2000" dirty="0">
               <a:latin typeface="+mn-ea"/>
             </a:endParaRPr>
           </a:p>
@@ -12140,32 +12033,29 @@
               <a:buChar char="•"/>
             </a:pPr>
             <a:r>
-              <a:rPr lang="ko-KR" altLang="en-US" sz="2000" dirty="0" smtClean="0">
+              <a:rPr lang="ko-KR" altLang="en-US" sz="2000" dirty="0">
                 <a:latin typeface="+mn-ea"/>
               </a:rPr>
               <a:t>선택한 </a:t>
             </a:r>
             <a:r>
-              <a:rPr lang="en-US" altLang="ko-KR" sz="2000" dirty="0" smtClean="0">
+              <a:rPr lang="en-US" altLang="ko-KR" sz="2000" dirty="0">
                 <a:latin typeface="+mn-ea"/>
               </a:rPr>
               <a:t>Select option</a:t>
             </a:r>
             <a:r>
-              <a:rPr lang="ko-KR" altLang="en-US" sz="2000" dirty="0" smtClean="0">
+              <a:rPr lang="ko-KR" altLang="en-US" sz="2000" dirty="0">
                 <a:latin typeface="+mn-ea"/>
               </a:rPr>
               <a:t> 값들이 각각 전달된다</a:t>
             </a:r>
             <a:r>
-              <a:rPr lang="en-US" altLang="ko-KR" sz="2000" dirty="0" smtClean="0">
+              <a:rPr lang="en-US" altLang="ko-KR" sz="2000" dirty="0">
                 <a:latin typeface="+mn-ea"/>
               </a:rPr>
               <a:t>.</a:t>
             </a:r>
-            <a:endParaRPr lang="en-US" altLang="ko-KR" sz="2000" dirty="0">
-              <a:latin typeface="+mn-ea"/>
-            </a:endParaRPr>
           </a:p>
         </p:txBody>
       </p:sp>
@@ -12228,7 +12118,7 @@
           <p:cNvPr id="4" name="제목 1">
             <a:extLst>
               <a:ext uri="{FF2B5EF4-FFF2-40B4-BE49-F238E27FC236}">
-                <a16:creationId xmlns="" xmlns:a16="http://schemas.microsoft.com/office/drawing/2014/main" id="{635C47BF-19DD-7A68-913E-EF8F14DBA234}"/>
+                <a16:creationId xmlns:a16="http://schemas.microsoft.com/office/drawing/2014/main" id="{635C47BF-19DD-7A68-913E-EF8F14DBA234}"/>
               </a:ext>
             </a:extLst>
           </p:cNvPr>
@@ -12275,20 +12165,17 @@
               <a:buChar char="•"/>
             </a:pPr>
             <a:r>
-              <a:rPr lang="en-US" altLang="ko-KR" sz="3200" dirty="0" smtClean="0">
+              <a:rPr lang="en-US" altLang="ko-KR" sz="3200" dirty="0">
                 <a:latin typeface="+mj-ea"/>
               </a:rPr>
               <a:t>B_01_H.jsp </a:t>
             </a:r>
             <a:r>
-              <a:rPr lang="ko-KR" altLang="en-US" sz="3200" dirty="0" smtClean="0">
+              <a:rPr lang="ko-KR" altLang="en-US" sz="3200" dirty="0">
                 <a:latin typeface="+mj-ea"/>
               </a:rPr>
               <a:t>실행 화면</a:t>
             </a:r>
-            <a:endParaRPr lang="ko-KR" altLang="en-US" sz="3200" dirty="0">
-              <a:latin typeface="+mj-ea"/>
-            </a:endParaRPr>
           </a:p>
         </p:txBody>
       </p:sp>
@@ -12438,43 +12325,43 @@
               <a:buChar char="•"/>
             </a:pPr>
             <a:r>
-              <a:rPr lang="ko-KR" altLang="en-US" sz="2000" dirty="0" smtClean="0">
+              <a:rPr lang="ko-KR" altLang="en-US" sz="2000" dirty="0">
                 <a:latin typeface="+mn-ea"/>
               </a:rPr>
               <a:t>후보자 명단의 </a:t>
             </a:r>
             <a:r>
-              <a:rPr lang="en-US" altLang="ko-KR" sz="2000" dirty="0" smtClean="0">
+              <a:rPr lang="en-US" altLang="ko-KR" sz="2000" dirty="0">
                 <a:latin typeface="+mn-ea"/>
               </a:rPr>
               <a:t>option </a:t>
             </a:r>
             <a:r>
-              <a:rPr lang="ko-KR" altLang="en-US" sz="2000" dirty="0" smtClean="0">
+              <a:rPr lang="ko-KR" altLang="en-US" sz="2000" dirty="0">
                 <a:latin typeface="+mn-ea"/>
               </a:rPr>
               <a:t>선택</a:t>
             </a:r>
             <a:r>
-              <a:rPr lang="en-US" altLang="ko-KR" sz="2000" dirty="0" smtClean="0">
+              <a:rPr lang="en-US" altLang="ko-KR" sz="2000" dirty="0">
                 <a:latin typeface="+mn-ea"/>
               </a:rPr>
               <a:t> -&gt; </a:t>
             </a:r>
             <a:r>
-              <a:rPr lang="ko-KR" altLang="en-US" sz="2000" dirty="0" smtClean="0">
+              <a:rPr lang="ko-KR" altLang="en-US" sz="2000" dirty="0">
                 <a:latin typeface="+mn-ea"/>
               </a:rPr>
               <a:t>연령대 명단의 </a:t>
             </a:r>
             <a:r>
-              <a:rPr lang="en-US" altLang="ko-KR" sz="2000" dirty="0" smtClean="0">
+              <a:rPr lang="en-US" altLang="ko-KR" sz="2000" dirty="0">
                 <a:latin typeface="+mn-ea"/>
               </a:rPr>
               <a:t>option </a:t>
             </a:r>
             <a:r>
-              <a:rPr lang="ko-KR" altLang="en-US" sz="2000" dirty="0" smtClean="0">
+              <a:rPr lang="ko-KR" altLang="en-US" sz="2000" dirty="0">
                 <a:latin typeface="+mn-ea"/>
               </a:rPr>
               <a:t>선택 후 투표하기 클릭</a:t>
@@ -12492,36 +12379,36 @@
               <a:buChar char="•"/>
             </a:pPr>
             <a:r>
-              <a:rPr lang="ko-KR" altLang="en-US" sz="2000" dirty="0" smtClean="0">
+              <a:rPr lang="ko-KR" altLang="en-US" sz="2000" dirty="0">
                 <a:latin typeface="+mn-ea"/>
               </a:rPr>
               <a:t>투표 조회 클릭 시 값 전달 없이 </a:t>
             </a:r>
             <a:r>
-              <a:rPr lang="en-US" altLang="ko-KR" sz="2000" dirty="0" smtClean="0">
+              <a:rPr lang="en-US" altLang="ko-KR" sz="2000" dirty="0">
                 <a:latin typeface="+mn-ea"/>
               </a:rPr>
               <a:t>B_02_H.jsp</a:t>
             </a:r>
             <a:r>
-              <a:rPr lang="ko-KR" altLang="en-US" sz="2000" dirty="0" smtClean="0">
+              <a:rPr lang="ko-KR" altLang="en-US" sz="2000" dirty="0">
                 <a:latin typeface="+mn-ea"/>
               </a:rPr>
               <a:t>로</a:t>
             </a:r>
             <a:r>
-              <a:rPr lang="en-US" altLang="ko-KR" sz="2000" dirty="0" smtClean="0">
+              <a:rPr lang="en-US" altLang="ko-KR" sz="2000" dirty="0">
                 <a:latin typeface="+mn-ea"/>
               </a:rPr>
               <a:t> </a:t>
             </a:r>
             <a:r>
-              <a:rPr lang="ko-KR" altLang="en-US" sz="2000" dirty="0" smtClean="0">
+              <a:rPr lang="ko-KR" altLang="en-US" sz="2000" dirty="0">
                 <a:latin typeface="+mn-ea"/>
               </a:rPr>
               <a:t>이동</a:t>
             </a:r>
-            <a:endParaRPr lang="en-US" altLang="ko-KR" sz="2000" dirty="0" smtClean="0">
+            <a:endParaRPr lang="en-US" altLang="ko-KR" sz="2000" dirty="0">
               <a:latin typeface="+mn-ea"/>
             </a:endParaRPr>
           </a:p>
@@ -12534,7 +12421,7 @@
               <a:buChar char="•"/>
             </a:pPr>
             <a:r>
-              <a:rPr lang="ko-KR" altLang="en-US" sz="2000" dirty="0" smtClean="0">
+              <a:rPr lang="ko-KR" altLang="en-US" sz="2000" dirty="0">
                 <a:latin typeface="+mn-ea"/>
               </a:rPr>
               <a:t>투표하기 클릭 시 선택한 값을 가지고 </a:t>
@@ -12558,7 +12445,7 @@
               <a:t> </a:t>
             </a:r>
             <a:r>
-              <a:rPr lang="ko-KR" altLang="en-US" sz="2000" dirty="0" smtClean="0">
+              <a:rPr lang="ko-KR" altLang="en-US" sz="2000" dirty="0">
                 <a:latin typeface="+mn-ea"/>
               </a:rPr>
               <a:t>이동</a:t>
@@ -12676,7 +12563,7 @@
           <p:cNvPr id="2" name="제목 1">
             <a:extLst>
               <a:ext uri="{FF2B5EF4-FFF2-40B4-BE49-F238E27FC236}">
-                <a16:creationId xmlns="" xmlns:a16="http://schemas.microsoft.com/office/drawing/2014/main" id="{635C47BF-19DD-7A68-913E-EF8F14DBA234}"/>
+                <a16:creationId xmlns:a16="http://schemas.microsoft.com/office/drawing/2014/main" id="{635C47BF-19DD-7A68-913E-EF8F14DBA234}"/>
               </a:ext>
             </a:extLst>
           </p:cNvPr>
@@ -12723,7 +12610,7 @@
               <a:buChar char="•"/>
             </a:pPr>
             <a:r>
-              <a:rPr lang="en-US" altLang="ko-KR" sz="3200" dirty="0" smtClean="0">
+              <a:rPr lang="en-US" altLang="ko-KR" sz="3200" dirty="0">
                 <a:latin typeface="+mj-ea"/>
               </a:rPr>
               <a:t>B_02_H.jsp</a:t>
@@ -12788,43 +12675,43 @@
               <a:buChar char="•"/>
             </a:pPr>
             <a:r>
-              <a:rPr lang="ko-KR" altLang="en-US" sz="2000" dirty="0" smtClean="0">
+              <a:rPr lang="ko-KR" altLang="en-US" sz="2000" dirty="0">
                 <a:latin typeface="+mn-ea"/>
               </a:rPr>
               <a:t>전달 받은 값을 </a:t>
             </a:r>
             <a:r>
-              <a:rPr lang="en-US" altLang="ko-KR" sz="2000" dirty="0" err="1" smtClean="0">
+              <a:rPr lang="en-US" altLang="ko-KR" sz="2000" dirty="0" err="1">
                 <a:latin typeface="+mn-ea"/>
               </a:rPr>
               <a:t>TupyoDB</a:t>
             </a:r>
             <a:r>
-              <a:rPr lang="ko-KR" altLang="en-US" sz="2000" dirty="0" smtClean="0">
+              <a:rPr lang="ko-KR" altLang="en-US" sz="2000" dirty="0">
                 <a:latin typeface="+mn-ea"/>
               </a:rPr>
               <a:t>에 저장하고 조회를 통해 후보자</a:t>
             </a:r>
             <a:r>
-              <a:rPr lang="en-US" altLang="ko-KR" sz="2000" dirty="0" smtClean="0">
+              <a:rPr lang="en-US" altLang="ko-KR" sz="2000" dirty="0">
                 <a:latin typeface="+mn-ea"/>
               </a:rPr>
               <a:t>,</a:t>
             </a:r>
             <a:r>
-              <a:rPr lang="ko-KR" altLang="en-US" sz="2000" dirty="0" smtClean="0">
+              <a:rPr lang="ko-KR" altLang="en-US" sz="2000" dirty="0">
                 <a:latin typeface="+mn-ea"/>
               </a:rPr>
               <a:t> 득표수</a:t>
             </a:r>
             <a:r>
-              <a:rPr lang="en-US" altLang="ko-KR" sz="2000" dirty="0" smtClean="0">
+              <a:rPr lang="en-US" altLang="ko-KR" sz="2000" dirty="0">
                 <a:latin typeface="+mn-ea"/>
               </a:rPr>
               <a:t>,</a:t>
             </a:r>
             <a:r>
-              <a:rPr lang="ko-KR" altLang="en-US" sz="2000" dirty="0" smtClean="0">
+              <a:rPr lang="ko-KR" altLang="en-US" sz="2000" dirty="0">
                 <a:latin typeface="+mn-ea"/>
               </a:rPr>
               <a:t> 득표율을 계산한 값을 보여주는 화면 구현</a:t>
@@ -12924,7 +12811,7 @@
           <p:cNvPr id="2" name="제목 1">
             <a:extLst>
               <a:ext uri="{FF2B5EF4-FFF2-40B4-BE49-F238E27FC236}">
-                <a16:creationId xmlns="" xmlns:a16="http://schemas.microsoft.com/office/drawing/2014/main" id="{635C47BF-19DD-7A68-913E-EF8F14DBA234}"/>
+                <a16:creationId xmlns:a16="http://schemas.microsoft.com/office/drawing/2014/main" id="{635C47BF-19DD-7A68-913E-EF8F14DBA234}"/>
               </a:ext>
             </a:extLst>
           </p:cNvPr>
@@ -12971,20 +12858,17 @@
               <a:buChar char="•"/>
             </a:pPr>
             <a:r>
-              <a:rPr lang="en-US" altLang="ko-KR" sz="3200" dirty="0" smtClean="0">
+              <a:rPr lang="en-US" altLang="ko-KR" sz="3200" dirty="0">
                 <a:latin typeface="+mj-ea"/>
               </a:rPr>
               <a:t>B_02_H.jsp </a:t>
             </a:r>
             <a:r>
-              <a:rPr lang="ko-KR" altLang="en-US" sz="3200" dirty="0" smtClean="0">
+              <a:rPr lang="ko-KR" altLang="en-US" sz="3200" dirty="0">
                 <a:latin typeface="+mj-ea"/>
               </a:rPr>
               <a:t>실행화면</a:t>
             </a:r>
-            <a:endParaRPr lang="ko-KR" altLang="en-US" sz="3200" dirty="0">
-              <a:latin typeface="+mj-ea"/>
-            </a:endParaRPr>
           </a:p>
         </p:txBody>
       </p:sp>
@@ -13042,65 +12926,17 @@
               <a:buChar char="•"/>
             </a:pPr>
             <a:r>
-              <a:rPr lang="ko-KR" altLang="en-US" sz="2000" dirty="0" smtClean="0">
+              <a:rPr lang="ko-KR" altLang="en-US" sz="2000" dirty="0">
                 <a:latin typeface="+mn-ea"/>
               </a:rPr>
               <a:t>값이 전달되면 조회 된  투표 결과를 보여준다</a:t>
             </a:r>
             <a:r>
-              <a:rPr lang="en-US" altLang="ko-KR" sz="2000" dirty="0" smtClean="0">
+              <a:rPr lang="en-US" altLang="ko-KR" sz="2000" dirty="0">
                 <a:latin typeface="+mn-ea"/>
               </a:rPr>
               <a:t>.</a:t>
             </a:r>
-          </a:p>
-          <a:p>
-            <a:pPr marL="285750" indent="-285750">
-              <a:lnSpc>
-                <a:spcPct val="150000"/>
-              </a:lnSpc>
-              <a:buFont typeface="Arial" panose="020B0604020202020204" pitchFamily="34" charset="0"/>
-              <a:buChar char="•"/>
-            </a:pPr>
-            <a:endParaRPr lang="en-US" altLang="ko-KR" sz="2000" dirty="0" smtClean="0">
-              <a:latin typeface="+mn-ea"/>
-            </a:endParaRPr>
-          </a:p>
-          <a:p>
-            <a:pPr marL="285750" indent="-285750">
-              <a:lnSpc>
-                <a:spcPct val="150000"/>
-              </a:lnSpc>
-              <a:buFont typeface="Arial" panose="020B0604020202020204" pitchFamily="34" charset="0"/>
-              <a:buChar char="•"/>
-            </a:pPr>
-            <a:r>
-              <a:rPr lang="ko-KR" altLang="en-US" sz="2000" dirty="0" err="1" smtClean="0">
-                <a:latin typeface="+mn-ea"/>
-              </a:rPr>
-              <a:t>뒤로가기</a:t>
-            </a:r>
-            <a:r>
-              <a:rPr lang="ko-KR" altLang="en-US" sz="2000" dirty="0" smtClean="0">
-                <a:latin typeface="+mn-ea"/>
-              </a:rPr>
-              <a:t> 클릭 시 </a:t>
-            </a:r>
-            <a:r>
-              <a:rPr lang="en-US" altLang="ko-KR" sz="2000" dirty="0" smtClean="0">
-                <a:latin typeface="+mn-ea"/>
-              </a:rPr>
-              <a:t>B_01_H.jsp</a:t>
-            </a:r>
-            <a:r>
-              <a:rPr lang="ko-KR" altLang="en-US" sz="2000" dirty="0" smtClean="0">
-                <a:latin typeface="+mn-ea"/>
-              </a:rPr>
-              <a:t>로 이동</a:t>
-            </a:r>
-            <a:endParaRPr lang="en-US" altLang="ko-KR" sz="2000" dirty="0" smtClean="0">
-              <a:latin typeface="+mn-ea"/>
-            </a:endParaRPr>
           </a:p>
           <a:p>
             <a:pPr marL="285750" indent="-285750">
@@ -13123,88 +12959,73 @@
               <a:buChar char="•"/>
             </a:pPr>
             <a:r>
-              <a:rPr lang="ko-KR" altLang="en-US" sz="2000" dirty="0" smtClean="0">
-                <a:latin typeface="+mn-ea"/>
-              </a:rPr>
-              <a:t>후보의 이름을 클릭 시 </a:t>
-            </a:r>
-            <a:r>
-              <a:rPr lang="en-US" altLang="ko-KR" sz="2000" dirty="0" err="1" smtClean="0">
-                <a:latin typeface="+mn-ea"/>
-              </a:rPr>
-              <a:t>oneviewDB.jsp</a:t>
-            </a:r>
-            <a:r>
-              <a:rPr lang="ko-KR" altLang="en-US" sz="2000" dirty="0" smtClean="0">
+              <a:rPr lang="ko-KR" altLang="en-US" sz="2000" dirty="0" err="1">
+                <a:latin typeface="+mn-ea"/>
+              </a:rPr>
+              <a:t>뒤로가기</a:t>
+            </a:r>
+            <a:r>
+              <a:rPr lang="ko-KR" altLang="en-US" sz="2000" dirty="0">
+                <a:latin typeface="+mn-ea"/>
+              </a:rPr>
+              <a:t> 클릭 시 </a:t>
+            </a:r>
+            <a:r>
+              <a:rPr lang="en-US" altLang="ko-KR" sz="2000" dirty="0">
+                <a:latin typeface="+mn-ea"/>
+              </a:rPr>
+              <a:t>B_01_H.jsp</a:t>
+            </a:r>
+            <a:r>
+              <a:rPr lang="ko-KR" altLang="en-US" sz="2000" dirty="0">
                 <a:latin typeface="+mn-ea"/>
               </a:rPr>
               <a:t>로 이동</a:t>
             </a:r>
-            <a:endParaRPr lang="en-US" altLang="ko-KR" sz="2000" dirty="0" smtClean="0">
+            <a:endParaRPr lang="en-US" altLang="ko-KR" sz="2000" dirty="0">
               <a:latin typeface="+mn-ea"/>
             </a:endParaRPr>
           </a:p>
-        </p:txBody>
-      </p:sp>
-      <p:sp>
-        <p:nvSpPr>
-          <p:cNvPr id="5" name="제목 1">
-            <a:extLst>
-              <a:ext uri="{FF2B5EF4-FFF2-40B4-BE49-F238E27FC236}">
-                <a16:creationId xmlns="" xmlns:a16="http://schemas.microsoft.com/office/drawing/2014/main" id="{635C47BF-19DD-7A68-913E-EF8F14DBA234}"/>
-              </a:ext>
-            </a:extLst>
-          </p:cNvPr>
-          <p:cNvSpPr txBox="1">
-            <a:spLocks/>
-          </p:cNvSpPr>
-          <p:nvPr/>
-        </p:nvSpPr>
-        <p:spPr>
-          <a:xfrm>
-            <a:off x="631723" y="703005"/>
-            <a:ext cx="9875520" cy="481781"/>
-          </a:xfrm>
-          <a:prstGeom prst="rect">
-            <a:avLst/>
-          </a:prstGeom>
-        </p:spPr>
-        <p:txBody>
-          <a:bodyPr>
-            <a:noAutofit/>
-          </a:bodyPr>
-          <a:lstStyle>
-            <a:lvl1pPr algn="l" defTabSz="914400" rtl="0" eaLnBrk="1" latinLnBrk="1" hangingPunct="1">
+          <a:p>
+            <a:pPr marL="285750" indent="-285750">
               <a:lnSpc>
-                <a:spcPct val="90000"/>
+                <a:spcPct val="150000"/>
               </a:lnSpc>
-              <a:spcBef>
-                <a:spcPct val="0"/>
-              </a:spcBef>
-              <a:buNone/>
-              <a:defRPr sz="4400" kern="1200">
-                <a:solidFill>
-                  <a:schemeClr val="accent1"/>
-                </a:solidFill>
-                <a:latin typeface="+mj-lt"/>
-                <a:ea typeface="+mj-ea"/>
-                <a:cs typeface="+mj-cs"/>
-              </a:defRPr>
-            </a:lvl1pPr>
-          </a:lstStyle>
-          <a:p>
-            <a:pPr marL="571500" indent="-571500">
               <a:buFont typeface="Arial" panose="020B0604020202020204" pitchFamily="34" charset="0"/>
               <a:buChar char="•"/>
             </a:pPr>
-            <a:r>
-              <a:rPr lang="en-US" altLang="ko-KR" sz="3200" dirty="0" smtClean="0">
-                <a:latin typeface="+mj-ea"/>
-              </a:rPr>
-              <a:t>C_01_H.jsp</a:t>
-            </a:r>
-            <a:endParaRPr lang="ko-KR" altLang="en-US" sz="3200" dirty="0">
-              <a:latin typeface="+mj-ea"/>
+            <a:endParaRPr lang="en-US" altLang="ko-KR" sz="2000" dirty="0">
+              <a:latin typeface="+mn-ea"/>
+            </a:endParaRPr>
+          </a:p>
+          <a:p>
+            <a:pPr marL="285750" indent="-285750">
+              <a:lnSpc>
+                <a:spcPct val="150000"/>
+              </a:lnSpc>
+              <a:buFont typeface="Arial" panose="020B0604020202020204" pitchFamily="34" charset="0"/>
+              <a:buChar char="•"/>
+            </a:pPr>
+            <a:r>
+              <a:rPr lang="ko-KR" altLang="en-US" sz="2000" dirty="0">
+                <a:latin typeface="+mn-ea"/>
+              </a:rPr>
+              <a:t>후보의 이름을 클릭 시 </a:t>
+            </a:r>
+            <a:r>
+              <a:rPr lang="en-US" altLang="ko-KR" sz="2000" dirty="0" err="1">
+                <a:latin typeface="+mn-ea"/>
+              </a:rPr>
+              <a:t>oneviewDB.jsp</a:t>
+            </a:r>
+            <a:r>
+              <a:rPr lang="ko-KR" altLang="en-US" sz="2000" dirty="0">
+                <a:latin typeface="+mn-ea"/>
+              </a:rPr>
+              <a:t>로 이동</a:t>
+            </a:r>
+            <a:endParaRPr lang="en-US" altLang="ko-KR" sz="2000" dirty="0">
+              <a:latin typeface="+mn-ea"/>
             </a:endParaRPr>
           </a:p>
         </p:txBody>
@@ -13244,7 +13065,7 @@
           <p:cNvPr id="2" name="제목 1">
             <a:extLst>
               <a:ext uri="{FF2B5EF4-FFF2-40B4-BE49-F238E27FC236}">
-                <a16:creationId xmlns="" xmlns:a16="http://schemas.microsoft.com/office/drawing/2014/main" id="{635C47BF-19DD-7A68-913E-EF8F14DBA234}"/>
+                <a16:creationId xmlns:a16="http://schemas.microsoft.com/office/drawing/2014/main" id="{635C47BF-19DD-7A68-913E-EF8F14DBA234}"/>
               </a:ext>
             </a:extLst>
           </p:cNvPr>
@@ -13291,7 +13112,7 @@
               <a:buChar char="•"/>
             </a:pPr>
             <a:r>
-              <a:rPr lang="en-US" altLang="ko-KR" sz="3200" dirty="0" smtClean="0">
+              <a:rPr lang="en-US" altLang="ko-KR" sz="3200" dirty="0">
                 <a:latin typeface="+mj-ea"/>
               </a:rPr>
               <a:t>C_01_H.jsp</a:t>
@@ -13356,20 +13177,17 @@
               <a:buChar char="•"/>
             </a:pPr>
             <a:r>
-              <a:rPr lang="ko-KR" altLang="en-US" sz="2000" dirty="0" smtClean="0">
+              <a:rPr lang="ko-KR" altLang="en-US" sz="2000" dirty="0">
                 <a:latin typeface="+mn-ea"/>
               </a:rPr>
               <a:t>지금까지 투표한 값을 통해 그래프로 현황을 보여주는 화면 구현 하였다</a:t>
             </a:r>
             <a:r>
-              <a:rPr lang="en-US" altLang="ko-KR" sz="2000" dirty="0" smtClean="0">
+              <a:rPr lang="en-US" altLang="ko-KR" sz="2000" dirty="0">
                 <a:latin typeface="+mn-ea"/>
               </a:rPr>
               <a:t>.</a:t>
             </a:r>
-            <a:endParaRPr lang="en-US" altLang="ko-KR" sz="2000" dirty="0">
-              <a:latin typeface="+mn-ea"/>
-            </a:endParaRPr>
           </a:p>
         </p:txBody>
       </p:sp>
@@ -13432,7 +13250,7 @@
           <p:cNvPr id="3" name="제목 1">
             <a:extLst>
               <a:ext uri="{FF2B5EF4-FFF2-40B4-BE49-F238E27FC236}">
-                <a16:creationId xmlns="" xmlns:a16="http://schemas.microsoft.com/office/drawing/2014/main" id="{635C47BF-19DD-7A68-913E-EF8F14DBA234}"/>
+                <a16:creationId xmlns:a16="http://schemas.microsoft.com/office/drawing/2014/main" id="{635C47BF-19DD-7A68-913E-EF8F14DBA234}"/>
               </a:ext>
             </a:extLst>
           </p:cNvPr>
@@ -13479,20 +13297,17 @@
               <a:buChar char="•"/>
             </a:pPr>
             <a:r>
-              <a:rPr lang="en-US" altLang="ko-KR" sz="3200" dirty="0" smtClean="0">
+              <a:rPr lang="en-US" altLang="ko-KR" sz="3200" dirty="0">
                 <a:latin typeface="+mj-ea"/>
               </a:rPr>
               <a:t>C_01_H.jsp </a:t>
             </a:r>
             <a:r>
-              <a:rPr lang="ko-KR" altLang="en-US" sz="3200" dirty="0" smtClean="0">
+              <a:rPr lang="ko-KR" altLang="en-US" sz="3200" dirty="0">
                 <a:latin typeface="+mj-ea"/>
               </a:rPr>
               <a:t>실행 화면</a:t>
             </a:r>
-            <a:endParaRPr lang="ko-KR" altLang="en-US" sz="3200" dirty="0">
-              <a:latin typeface="+mj-ea"/>
-            </a:endParaRPr>
           </a:p>
         </p:txBody>
       </p:sp>
@@ -13526,19 +13341,19 @@
               <a:buChar char="•"/>
             </a:pPr>
             <a:r>
-              <a:rPr lang="ko-KR" altLang="en-US" sz="2000" dirty="0" smtClean="0">
+              <a:rPr lang="ko-KR" altLang="en-US" sz="2000" dirty="0">
                 <a:latin typeface="+mn-ea"/>
               </a:rPr>
               <a:t>각 후보의 이름과 후보가 받은 득표수</a:t>
             </a:r>
             <a:r>
-              <a:rPr lang="en-US" altLang="ko-KR" sz="2000" dirty="0" smtClean="0">
+              <a:rPr lang="en-US" altLang="ko-KR" sz="2000" dirty="0">
                 <a:latin typeface="+mn-ea"/>
               </a:rPr>
               <a:t>,</a:t>
             </a:r>
             <a:r>
-              <a:rPr lang="ko-KR" altLang="en-US" sz="2000" dirty="0" smtClean="0">
+              <a:rPr lang="ko-KR" altLang="en-US" sz="2000" dirty="0">
                 <a:latin typeface="+mn-ea"/>
               </a:rPr>
               <a:t>득표율을</a:t>
@@ -13550,13 +13365,13 @@
               <a:t> </a:t>
             </a:r>
             <a:r>
-              <a:rPr lang="ko-KR" altLang="en-US" sz="2000" dirty="0" smtClean="0">
+              <a:rPr lang="ko-KR" altLang="en-US" sz="2000" dirty="0">
                 <a:latin typeface="+mn-ea"/>
               </a:rPr>
               <a:t>그래프로 확인 가능하게 되었다</a:t>
             </a:r>
             <a:r>
-              <a:rPr lang="en-US" altLang="ko-KR" sz="2000" dirty="0" smtClean="0">
+              <a:rPr lang="en-US" altLang="ko-KR" sz="2000" dirty="0">
                 <a:latin typeface="+mn-ea"/>
               </a:rPr>
               <a:t>!</a:t>
@@ -13583,13 +13398,13 @@
               <a:buChar char="•"/>
             </a:pPr>
             <a:r>
-              <a:rPr lang="ko-KR" altLang="en-US" sz="2000" dirty="0" smtClean="0">
+              <a:rPr lang="ko-KR" altLang="en-US" sz="2000" dirty="0">
                 <a:latin typeface="+mn-ea"/>
               </a:rPr>
               <a:t>이름을 클릭 시 각 후보가 받은 연령별 득표율을 확인할 수 있다</a:t>
             </a:r>
             <a:r>
-              <a:rPr lang="en-US" altLang="ko-KR" sz="2000" dirty="0" smtClean="0">
+              <a:rPr lang="en-US" altLang="ko-KR" sz="2000" dirty="0">
                 <a:latin typeface="+mn-ea"/>
               </a:rPr>
               <a:t>.</a:t>
@@ -13632,7 +13447,7 @@
           <p:cNvPr id="2" name="제목 1">
             <a:extLst>
               <a:ext uri="{FF2B5EF4-FFF2-40B4-BE49-F238E27FC236}">
-                <a16:creationId xmlns="" xmlns:a16="http://schemas.microsoft.com/office/drawing/2014/main" id="{635C47BF-19DD-7A68-913E-EF8F14DBA234}"/>
+                <a16:creationId xmlns:a16="http://schemas.microsoft.com/office/drawing/2014/main" id="{635C47BF-19DD-7A68-913E-EF8F14DBA234}"/>
               </a:ext>
             </a:extLst>
           </p:cNvPr>
@@ -13679,7 +13494,7 @@
               <a:buChar char="•"/>
             </a:pPr>
             <a:r>
-              <a:rPr lang="en-US" altLang="ko-KR" sz="3200" dirty="0" smtClean="0">
+              <a:rPr lang="en-US" altLang="ko-KR" sz="3200" dirty="0">
                 <a:latin typeface="+mj-ea"/>
               </a:rPr>
               <a:t>C_02_H.jsp</a:t>
@@ -13744,55 +13559,43 @@
               <a:buChar char="•"/>
             </a:pPr>
             <a:r>
-              <a:rPr lang="en-US" altLang="ko-KR" sz="2000" dirty="0" smtClean="0">
+              <a:rPr lang="en-US" altLang="ko-KR" sz="2000" dirty="0">
                 <a:latin typeface="+mn-ea"/>
               </a:rPr>
               <a:t>Key</a:t>
             </a:r>
             <a:r>
-              <a:rPr lang="ko-KR" altLang="en-US" sz="2000" dirty="0" smtClean="0">
+              <a:rPr lang="ko-KR" altLang="en-US" sz="2000" dirty="0">
                 <a:latin typeface="+mn-ea"/>
               </a:rPr>
               <a:t>값으로 전달받은 후보 개인의 연령별</a:t>
             </a:r>
             <a:r>
-              <a:rPr lang="en-US" altLang="ko-KR" sz="2000" dirty="0" smtClean="0">
+              <a:rPr lang="en-US" altLang="ko-KR" sz="2000" dirty="0">
                 <a:latin typeface="+mn-ea"/>
               </a:rPr>
               <a:t>,</a:t>
             </a:r>
             <a:r>
-              <a:rPr lang="ko-KR" altLang="en-US" sz="2000" dirty="0" smtClean="0">
+              <a:rPr lang="ko-KR" altLang="en-US" sz="2000" dirty="0">
                 <a:latin typeface="+mn-ea"/>
               </a:rPr>
               <a:t>득표수</a:t>
             </a:r>
             <a:r>
-              <a:rPr lang="en-US" altLang="ko-KR" sz="2000" dirty="0" smtClean="0">
+              <a:rPr lang="en-US" altLang="ko-KR" sz="2000" dirty="0">
                 <a:latin typeface="+mn-ea"/>
               </a:rPr>
               <a:t>,</a:t>
             </a:r>
             <a:r>
-              <a:rPr lang="ko-KR" altLang="en-US" sz="2000" dirty="0" smtClean="0">
-                <a:latin typeface="+mn-ea"/>
-              </a:rPr>
-              <a:t>득표율을 </a:t>
-            </a:r>
-            <a:r>
               <a:rPr lang="ko-KR" altLang="en-US" sz="2000" dirty="0">
                 <a:latin typeface="+mn-ea"/>
               </a:rPr>
-              <a:t>그래프로 현황을 보여주는 화면 </a:t>
-            </a:r>
-            <a:r>
-              <a:rPr lang="ko-KR" altLang="en-US" sz="2000" dirty="0" smtClean="0">
-                <a:latin typeface="+mn-ea"/>
-              </a:rPr>
-              <a:t>구현 하였다</a:t>
-            </a:r>
-            <a:r>
-              <a:rPr lang="en-US" altLang="ko-KR" sz="2000" dirty="0" smtClean="0">
+              <a:t>득표율을 그래프로 현황을 보여주는 화면 구현 하였다</a:t>
+            </a:r>
+            <a:r>
+              <a:rPr lang="en-US" altLang="ko-KR" sz="2000" dirty="0">
                 <a:latin typeface="+mn-ea"/>
               </a:rPr>
               <a:t>.</a:t>
@@ -13835,7 +13638,7 @@
           <p:cNvPr id="2" name="제목 1">
             <a:extLst>
               <a:ext uri="{FF2B5EF4-FFF2-40B4-BE49-F238E27FC236}">
-                <a16:creationId xmlns="" xmlns:a16="http://schemas.microsoft.com/office/drawing/2014/main" id="{635C47BF-19DD-7A68-913E-EF8F14DBA234}"/>
+                <a16:creationId xmlns:a16="http://schemas.microsoft.com/office/drawing/2014/main" id="{635C47BF-19DD-7A68-913E-EF8F14DBA234}"/>
               </a:ext>
             </a:extLst>
           </p:cNvPr>
@@ -13863,7 +13666,7 @@
               <a:buChar char="•"/>
             </a:pPr>
             <a:r>
-              <a:rPr lang="en-US" altLang="ko-KR" sz="3200" dirty="0" err="1" smtClean="0">
+              <a:rPr lang="en-US" altLang="ko-KR" sz="3200" dirty="0" err="1">
                 <a:latin typeface="+mj-ea"/>
               </a:rPr>
               <a:t>AlldeleteDB.jsp</a:t>
@@ -13928,13 +13731,13 @@
               <a:buChar char="•"/>
             </a:pPr>
             <a:r>
-              <a:rPr lang="ko-KR" altLang="en-US" sz="2000" dirty="0" smtClean="0">
+              <a:rPr lang="ko-KR" altLang="en-US" sz="2000" dirty="0">
                 <a:latin typeface="+mn-ea"/>
               </a:rPr>
               <a:t>데이터베이스 테이블은 그대로 두고 칼럼의 값들만 전체 삭제 기능을 구현하였다</a:t>
             </a:r>
             <a:r>
-              <a:rPr lang="en-US" altLang="ko-KR" sz="2000" dirty="0" smtClean="0">
+              <a:rPr lang="en-US" altLang="ko-KR" sz="2000" dirty="0">
                 <a:latin typeface="+mn-ea"/>
               </a:rPr>
               <a:t>.</a:t>
@@ -14055,7 +13858,7 @@
           <p:cNvPr id="2" name="제목 1">
             <a:extLst>
               <a:ext uri="{FF2B5EF4-FFF2-40B4-BE49-F238E27FC236}">
-                <a16:creationId xmlns="" xmlns:a16="http://schemas.microsoft.com/office/drawing/2014/main" id="{635C47BF-19DD-7A68-913E-EF8F14DBA234}"/>
+                <a16:creationId xmlns:a16="http://schemas.microsoft.com/office/drawing/2014/main" id="{635C47BF-19DD-7A68-913E-EF8F14DBA234}"/>
               </a:ext>
             </a:extLst>
           </p:cNvPr>
@@ -14102,20 +13905,17 @@
               <a:buChar char="•"/>
             </a:pPr>
             <a:r>
-              <a:rPr lang="en-US" altLang="ko-KR" sz="3200" dirty="0" smtClean="0">
+              <a:rPr lang="en-US" altLang="ko-KR" sz="3200" dirty="0">
                 <a:latin typeface="+mj-ea"/>
               </a:rPr>
               <a:t>C_02_H.jsp </a:t>
             </a:r>
             <a:r>
-              <a:rPr lang="ko-KR" altLang="en-US" sz="3200" dirty="0" smtClean="0">
+              <a:rPr lang="ko-KR" altLang="en-US" sz="3200" dirty="0">
                 <a:latin typeface="+mj-ea"/>
               </a:rPr>
               <a:t>실행 화면</a:t>
             </a:r>
-            <a:endParaRPr lang="ko-KR" altLang="en-US" sz="3200" dirty="0">
-              <a:latin typeface="+mj-ea"/>
-            </a:endParaRPr>
           </a:p>
         </p:txBody>
       </p:sp>
@@ -14279,24 +14079,24 @@
               <a:buChar char="•"/>
             </a:pPr>
             <a:r>
-              <a:rPr lang="en-US" altLang="ko-KR" sz="2000" dirty="0" smtClean="0">
+              <a:rPr lang="en-US" altLang="ko-KR" sz="2000" dirty="0">
                 <a:latin typeface="+mn-ea"/>
               </a:rPr>
               <a:t>5</a:t>
             </a:r>
             <a:r>
-              <a:rPr lang="ko-KR" altLang="en-US" sz="2000" dirty="0" err="1" smtClean="0">
+              <a:rPr lang="ko-KR" altLang="en-US" sz="2000" dirty="0" err="1">
                 <a:latin typeface="+mn-ea"/>
               </a:rPr>
               <a:t>번창섭</a:t>
             </a:r>
             <a:r>
-              <a:rPr lang="ko-KR" altLang="en-US" sz="2000" dirty="0" smtClean="0">
+              <a:rPr lang="ko-KR" altLang="en-US" sz="2000" dirty="0">
                 <a:latin typeface="+mn-ea"/>
               </a:rPr>
               <a:t> 후보자의 이름을 클릭 해 개인의 연령별 득표율 현황 그래프를 확인</a:t>
             </a:r>
-            <a:endParaRPr lang="en-US" altLang="ko-KR" sz="2000" dirty="0" smtClean="0">
+            <a:endParaRPr lang="en-US" altLang="ko-KR" sz="2000" dirty="0">
               <a:latin typeface="+mn-ea"/>
             </a:endParaRPr>
           </a:p>
@@ -14307,7 +14107,7 @@
               </a:lnSpc>
             </a:pPr>
             <a:r>
-              <a:rPr lang="ko-KR" altLang="en-US" sz="2000" dirty="0" smtClean="0">
+              <a:rPr lang="ko-KR" altLang="en-US" sz="2000" dirty="0">
                 <a:latin typeface="+mn-ea"/>
               </a:rPr>
               <a:t> </a:t>
@@ -14353,7 +14153,7 @@
           <p:cNvPr id="2" name="제목 1">
             <a:extLst>
               <a:ext uri="{FF2B5EF4-FFF2-40B4-BE49-F238E27FC236}">
-                <a16:creationId xmlns="" xmlns:a16="http://schemas.microsoft.com/office/drawing/2014/main" id="{635C47BF-19DD-7A68-913E-EF8F14DBA234}"/>
+                <a16:creationId xmlns:a16="http://schemas.microsoft.com/office/drawing/2014/main" id="{635C47BF-19DD-7A68-913E-EF8F14DBA234}"/>
               </a:ext>
             </a:extLst>
           </p:cNvPr>
@@ -14381,7 +14181,7 @@
               <a:buChar char="•"/>
             </a:pPr>
             <a:r>
-              <a:rPr lang="en-US" altLang="ko-KR" sz="3200" dirty="0" smtClean="0">
+              <a:rPr lang="en-US" altLang="ko-KR" sz="3200" dirty="0">
                 <a:latin typeface="+mj-ea"/>
               </a:rPr>
               <a:t>InputForm1.html</a:t>
@@ -14443,13 +14243,13 @@
               <a:buChar char="•"/>
             </a:pPr>
             <a:r>
-              <a:rPr lang="ko-KR" altLang="en-US" sz="2000" dirty="0" smtClean="0">
+              <a:rPr lang="ko-KR" altLang="en-US" sz="2000" dirty="0">
                 <a:latin typeface="+mn-ea"/>
               </a:rPr>
               <a:t>한 건의 추가입력을 받기 위한 테이블의 스타일과 입력 제한사항을 구현하였다</a:t>
             </a:r>
             <a:r>
-              <a:rPr lang="en-US" altLang="ko-KR" sz="2000" dirty="0" smtClean="0">
+              <a:rPr lang="en-US" altLang="ko-KR" sz="2000" dirty="0">
                 <a:latin typeface="+mn-ea"/>
               </a:rPr>
               <a:t>.</a:t>
@@ -14543,7 +14343,7 @@
           <p:cNvPr id="4" name="제목 1">
             <a:extLst>
               <a:ext uri="{FF2B5EF4-FFF2-40B4-BE49-F238E27FC236}">
-                <a16:creationId xmlns="" xmlns:a16="http://schemas.microsoft.com/office/drawing/2014/main" id="{635C47BF-19DD-7A68-913E-EF8F14DBA234}"/>
+                <a16:creationId xmlns:a16="http://schemas.microsoft.com/office/drawing/2014/main" id="{635C47BF-19DD-7A68-913E-EF8F14DBA234}"/>
               </a:ext>
             </a:extLst>
           </p:cNvPr>
@@ -14574,23 +14374,14 @@
               <a:rPr lang="en-US" altLang="ko-KR" sz="3200" dirty="0">
                 <a:latin typeface="+mj-ea"/>
               </a:rPr>
-              <a:t>I</a:t>
-            </a:r>
-            <a:r>
-              <a:rPr lang="en-US" altLang="ko-KR" sz="3200" dirty="0" smtClean="0">
+              <a:t>InputForm1.html </a:t>
+            </a:r>
+            <a:r>
+              <a:rPr lang="ko-KR" altLang="en-US" sz="3200" dirty="0">
                 <a:latin typeface="+mj-ea"/>
               </a:rPr>
-              <a:t>nputForm1.html </a:t>
-            </a:r>
-            <a:r>
-              <a:rPr lang="ko-KR" altLang="en-US" sz="3200" dirty="0" smtClean="0">
-                <a:latin typeface="+mj-ea"/>
-              </a:rPr>
               <a:t>실행 화면</a:t>
             </a:r>
-            <a:endParaRPr lang="ko-KR" altLang="en-US" sz="3200" dirty="0">
-              <a:latin typeface="+mj-ea"/>
-            </a:endParaRPr>
           </a:p>
         </p:txBody>
       </p:sp>
@@ -14624,22 +14415,22 @@
               <a:buChar char="•"/>
             </a:pPr>
             <a:r>
-              <a:rPr lang="ko-KR" altLang="en-US" sz="2000" dirty="0" smtClean="0"/>
+              <a:rPr lang="ko-KR" altLang="en-US" sz="2000" dirty="0"/>
               <a:t>추가 버튼 클릭 시 </a:t>
             </a:r>
             <a:r>
-              <a:rPr lang="en-US" altLang="ko-KR" sz="2000" dirty="0" err="1" smtClean="0"/>
+              <a:rPr lang="en-US" altLang="ko-KR" sz="2000" dirty="0" err="1"/>
               <a:t>newInsertDB.jsp</a:t>
             </a:r>
             <a:r>
-              <a:rPr lang="en-US" altLang="ko-KR" sz="2000" dirty="0" smtClean="0"/>
+              <a:rPr lang="en-US" altLang="ko-KR" sz="2000" dirty="0"/>
               <a:t> </a:t>
             </a:r>
             <a:r>
-              <a:rPr lang="ko-KR" altLang="en-US" sz="2000" dirty="0" smtClean="0"/>
+              <a:rPr lang="ko-KR" altLang="en-US" sz="2000" dirty="0"/>
               <a:t>로 이동</a:t>
             </a:r>
-            <a:endParaRPr lang="en-US" altLang="ko-KR" sz="2000" dirty="0" smtClean="0"/>
+            <a:endParaRPr lang="en-US" altLang="ko-KR" sz="2000" dirty="0"/>
           </a:p>
         </p:txBody>
       </p:sp>
@@ -14806,7 +14597,7 @@
           <p:cNvPr id="2" name="제목 1">
             <a:extLst>
               <a:ext uri="{FF2B5EF4-FFF2-40B4-BE49-F238E27FC236}">
-                <a16:creationId xmlns="" xmlns:a16="http://schemas.microsoft.com/office/drawing/2014/main" id="{635C47BF-19DD-7A68-913E-EF8F14DBA234}"/>
+                <a16:creationId xmlns:a16="http://schemas.microsoft.com/office/drawing/2014/main" id="{635C47BF-19DD-7A68-913E-EF8F14DBA234}"/>
               </a:ext>
             </a:extLst>
           </p:cNvPr>
@@ -14834,7 +14625,7 @@
               <a:buChar char="•"/>
             </a:pPr>
             <a:r>
-              <a:rPr lang="en-US" altLang="ko-KR" sz="3200" dirty="0" err="1" smtClean="0">
+              <a:rPr lang="en-US" altLang="ko-KR" sz="3200" dirty="0" err="1">
                 <a:latin typeface="+mj-ea"/>
               </a:rPr>
               <a:t>newInsertDB.jsp</a:t>
@@ -14899,13 +14690,13 @@
               <a:buChar char="•"/>
             </a:pPr>
             <a:r>
-              <a:rPr lang="ko-KR" altLang="en-US" sz="2000" dirty="0" smtClean="0">
+              <a:rPr lang="ko-KR" altLang="en-US" sz="2000" dirty="0">
                 <a:latin typeface="+mn-ea"/>
               </a:rPr>
               <a:t>입력 받은 값들을 전달받아 테이블에 한 건씩 </a:t>
             </a:r>
             <a:r>
-              <a:rPr lang="en-US" altLang="ko-KR" sz="2000" dirty="0" smtClean="0">
+              <a:rPr lang="en-US" altLang="ko-KR" sz="2000" dirty="0">
                 <a:latin typeface="+mn-ea"/>
               </a:rPr>
               <a:t>insert</a:t>
@@ -14919,7 +14710,7 @@
               <a:buFont typeface="Arial" panose="020B0604020202020204" pitchFamily="34" charset="0"/>
               <a:buChar char="•"/>
             </a:pPr>
-            <a:endParaRPr lang="en-US" altLang="ko-KR" sz="2000" dirty="0" smtClean="0">
+            <a:endParaRPr lang="en-US" altLang="ko-KR" sz="2000" dirty="0">
               <a:latin typeface="+mn-ea"/>
             </a:endParaRPr>
           </a:p>
@@ -14932,13 +14723,13 @@
               <a:buChar char="•"/>
             </a:pPr>
             <a:r>
-              <a:rPr lang="ko-KR" altLang="en-US" sz="2000" dirty="0" smtClean="0">
+              <a:rPr lang="ko-KR" altLang="en-US" sz="2000" dirty="0">
                 <a:latin typeface="+mn-ea"/>
               </a:rPr>
               <a:t>중간에 삭제되거나 빈 학번이 있으면 최소값을 찾아서 학번 부여한다</a:t>
             </a:r>
             <a:r>
-              <a:rPr lang="en-US" altLang="ko-KR" sz="2000" dirty="0" smtClean="0">
+              <a:rPr lang="en-US" altLang="ko-KR" sz="2000" dirty="0">
                 <a:latin typeface="+mn-ea"/>
               </a:rPr>
               <a:t>.</a:t>
